--- a/mjr_folder/presentation/Presentation_Properties_Erin_Robinson.pptx
+++ b/mjr_folder/presentation/Presentation_Properties_Erin_Robinson.pptx
@@ -4,13 +4,16 @@
   <p:sldMasterIdLst>
     <p:sldMasterId id="2147483696" r:id="rId1"/>
   </p:sldMasterIdLst>
+  <p:notesMasterIdLst>
+    <p:notesMasterId r:id="rId10"/>
+  </p:notesMasterIdLst>
   <p:sldIdLst>
     <p:sldId id="256" r:id="rId2"/>
     <p:sldId id="257" r:id="rId3"/>
-    <p:sldId id="264" r:id="rId4"/>
+    <p:sldId id="267" r:id="rId4"/>
     <p:sldId id="258" r:id="rId5"/>
     <p:sldId id="259" r:id="rId6"/>
-    <p:sldId id="262" r:id="rId7"/>
+    <p:sldId id="266" r:id="rId7"/>
     <p:sldId id="261" r:id="rId8"/>
     <p:sldId id="265" r:id="rId9"/>
   </p:sldIdLst>
@@ -882,7 +885,11 @@
     </dgm:pt>
     <dgm:pt modelId="{CAFBD26D-C046-7F48-ADA4-21950CDE4556}">
       <dgm:prSet phldrT="[Text]"/>
-      <dgm:spPr/>
+      <dgm:spPr>
+        <a:solidFill>
+          <a:srgbClr val="3E51A9"/>
+        </a:solidFill>
+      </dgm:spPr>
       <dgm:t>
         <a:bodyPr/>
         <a:lstStyle/>
@@ -890,7 +897,7 @@
           <a:pPr rtl="0"/>
           <a:r>
             <a:rPr lang="en-GB" dirty="0"/>
-            <a:t>priorities</a:t>
+            <a:t>roadmap</a:t>
           </a:r>
         </a:p>
       </dgm:t>
@@ -919,7 +926,11 @@
     </dgm:pt>
     <dgm:pt modelId="{3E3BE7EB-28EC-7441-8CA4-F2295725F03B}">
       <dgm:prSet phldrT="[Text]"/>
-      <dgm:spPr/>
+      <dgm:spPr>
+        <a:solidFill>
+          <a:srgbClr val="26326F"/>
+        </a:solidFill>
+      </dgm:spPr>
       <dgm:t>
         <a:bodyPr/>
         <a:lstStyle/>
@@ -958,11 +969,18 @@
     </dgm:pt>
     <dgm:pt modelId="{343A2E45-4600-7B44-A027-276788DCA753}" type="parTrans" cxnId="{A88E825C-A410-134B-97CE-3FE70CB5A4B9}">
       <dgm:prSet/>
-      <dgm:spPr/>
+      <dgm:spPr>
+        <a:ln>
+          <a:solidFill>
+            <a:srgbClr val="2F3D7B"/>
+          </a:solidFill>
+        </a:ln>
+      </dgm:spPr>
       <dgm:t>
         <a:bodyPr/>
         <a:lstStyle/>
         <a:p>
+          <a:pPr rtl="0"/>
           <a:endParaRPr lang="en-GB"/>
         </a:p>
       </dgm:t>
@@ -980,7 +998,11 @@
     </dgm:pt>
     <dgm:pt modelId="{C5BD0025-9695-3C49-9B72-F45447070AE3}">
       <dgm:prSet phldrT="[Text]"/>
-      <dgm:spPr/>
+      <dgm:spPr>
+        <a:solidFill>
+          <a:srgbClr val="324190"/>
+        </a:solidFill>
+      </dgm:spPr>
       <dgm:t>
         <a:bodyPr/>
         <a:lstStyle/>
@@ -988,18 +1010,32 @@
           <a:pPr rtl="0"/>
           <a:r>
             <a:rPr lang="en-GB" dirty="0"/>
-            <a:t>buy properties sold in winter</a:t>
+            <a:t>buy properties </a:t>
+          </a:r>
+          <a:br>
+            <a:rPr lang="en-GB" dirty="0"/>
+          </a:br>
+          <a:r>
+            <a:rPr lang="en-GB" dirty="0"/>
+            <a:t>in winter</a:t>
           </a:r>
         </a:p>
       </dgm:t>
     </dgm:pt>
     <dgm:pt modelId="{68BB3168-2399-334F-AEC3-AD7857BE7556}" type="parTrans" cxnId="{03276BFF-69FC-8B42-B0D4-7F3F980051AF}">
       <dgm:prSet/>
-      <dgm:spPr/>
+      <dgm:spPr>
+        <a:ln>
+          <a:solidFill>
+            <a:srgbClr val="2F3D7B"/>
+          </a:solidFill>
+        </a:ln>
+      </dgm:spPr>
       <dgm:t>
         <a:bodyPr/>
         <a:lstStyle/>
         <a:p>
+          <a:pPr rtl="0"/>
           <a:endParaRPr lang="en-GB"/>
         </a:p>
       </dgm:t>
@@ -1017,7 +1053,11 @@
     </dgm:pt>
     <dgm:pt modelId="{8C9252FA-D376-AF4F-A928-7B07D3A9F14C}">
       <dgm:prSet phldrT="[Text]"/>
-      <dgm:spPr/>
+      <dgm:spPr>
+        <a:solidFill>
+          <a:srgbClr val="3E51A9"/>
+        </a:solidFill>
+      </dgm:spPr>
       <dgm:t>
         <a:bodyPr/>
         <a:lstStyle/>
@@ -1032,11 +1072,18 @@
     </dgm:pt>
     <dgm:pt modelId="{E1013537-5BD9-8E4A-9813-7DA83B4B71FE}" type="parTrans" cxnId="{7619544C-A4F3-4443-B4B3-2B4DFC67E16A}">
       <dgm:prSet/>
-      <dgm:spPr/>
+      <dgm:spPr>
+        <a:ln>
+          <a:solidFill>
+            <a:srgbClr val="2F3D7B"/>
+          </a:solidFill>
+        </a:ln>
+      </dgm:spPr>
       <dgm:t>
         <a:bodyPr/>
         <a:lstStyle/>
         <a:p>
+          <a:pPr rtl="0"/>
           <a:endParaRPr lang="en-GB"/>
         </a:p>
       </dgm:t>
@@ -1054,7 +1101,11 @@
     </dgm:pt>
     <dgm:pt modelId="{5D104622-0EA2-294B-86D7-57E2FF95A8B2}">
       <dgm:prSet phldrT="[Text]"/>
-      <dgm:spPr/>
+      <dgm:spPr>
+        <a:solidFill>
+          <a:srgbClr val="5068E6"/>
+        </a:solidFill>
+      </dgm:spPr>
       <dgm:t>
         <a:bodyPr/>
         <a:lstStyle/>
@@ -1077,11 +1128,18 @@
     </dgm:pt>
     <dgm:pt modelId="{ACDD642F-C00F-ED47-A37D-808AD9A43899}" type="parTrans" cxnId="{8EF647CD-B8BE-574B-9FEC-6D77E5EA1C44}">
       <dgm:prSet/>
-      <dgm:spPr/>
+      <dgm:spPr>
+        <a:ln>
+          <a:solidFill>
+            <a:srgbClr val="2F3D7B"/>
+          </a:solidFill>
+        </a:ln>
+      </dgm:spPr>
       <dgm:t>
         <a:bodyPr/>
         <a:lstStyle/>
         <a:p>
+          <a:pPr rtl="0"/>
           <a:endParaRPr lang="en-GB"/>
         </a:p>
       </dgm:t>
@@ -1223,48 +1281,48 @@
     </dgm:pt>
   </dgm:ptLst>
   <dgm:cxnLst>
-    <dgm:cxn modelId="{81DCB820-292F-1441-96F9-9ACF28AE6BAA}" type="presOf" srcId="{3E3BE7EB-28EC-7441-8CA4-F2295725F03B}" destId="{73EE4934-696B-BE49-9A93-B2285611320A}" srcOrd="0" destOrd="0" presId="urn:microsoft.com/office/officeart/2008/layout/HorizontalMultiLevelHierarchy"/>
-    <dgm:cxn modelId="{1C136635-42CA-D049-B6AA-4E69C9D2F5A1}" type="presOf" srcId="{68BB3168-2399-334F-AEC3-AD7857BE7556}" destId="{0F3E52B3-48E7-6747-A479-D7585FD3039F}" srcOrd="0" destOrd="0" presId="urn:microsoft.com/office/officeart/2008/layout/HorizontalMultiLevelHierarchy"/>
+    <dgm:cxn modelId="{5D772402-A4B4-594B-913A-999AF714E31F}" type="presOf" srcId="{C5BD0025-9695-3C49-9B72-F45447070AE3}" destId="{DCA2FF94-A906-CE41-B9DC-FCE09ACFD9D6}" srcOrd="0" destOrd="0" presId="urn:microsoft.com/office/officeart/2008/layout/HorizontalMultiLevelHierarchy"/>
+    <dgm:cxn modelId="{AA9A3713-0658-524C-A1AD-5FE6A88AEEAC}" type="presOf" srcId="{5D104622-0EA2-294B-86D7-57E2FF95A8B2}" destId="{48B1D92B-7B44-AA49-8C05-5A1ED090558B}" srcOrd="0" destOrd="0" presId="urn:microsoft.com/office/officeart/2008/layout/HorizontalMultiLevelHierarchy"/>
+    <dgm:cxn modelId="{FAED951F-388C-A544-8E6A-0D7FC296EC07}" type="presOf" srcId="{ACDD642F-C00F-ED47-A37D-808AD9A43899}" destId="{1D76E050-00FB-E845-AC83-A08C39D98A6C}" srcOrd="1" destOrd="0" presId="urn:microsoft.com/office/officeart/2008/layout/HorizontalMultiLevelHierarchy"/>
+    <dgm:cxn modelId="{B636A723-EC38-044D-84BB-B535367555BD}" type="presOf" srcId="{343A2E45-4600-7B44-A027-276788DCA753}" destId="{9EA7FF45-9EF8-1D46-9C23-E328890FB863}" srcOrd="1" destOrd="0" presId="urn:microsoft.com/office/officeart/2008/layout/HorizontalMultiLevelHierarchy"/>
+    <dgm:cxn modelId="{7EB62F38-66E0-4140-9ABF-0F15509B78E7}" type="presOf" srcId="{FA53528F-C6A8-AE4D-BDD4-5C31FF6D49DA}" destId="{89F2BC82-E34C-A844-A2B8-C215ECE2C2A6}" srcOrd="0" destOrd="0" presId="urn:microsoft.com/office/officeart/2008/layout/HorizontalMultiLevelHierarchy"/>
+    <dgm:cxn modelId="{9EC00941-8AA2-1C4D-B4E8-95731582319D}" type="presOf" srcId="{3E3BE7EB-28EC-7441-8CA4-F2295725F03B}" destId="{73EE4934-696B-BE49-9A93-B2285611320A}" srcOrd="0" destOrd="0" presId="urn:microsoft.com/office/officeart/2008/layout/HorizontalMultiLevelHierarchy"/>
     <dgm:cxn modelId="{7619544C-A4F3-4443-B4B3-2B4DFC67E16A}" srcId="{CAFBD26D-C046-7F48-ADA4-21950CDE4556}" destId="{8C9252FA-D376-AF4F-A928-7B07D3A9F14C}" srcOrd="2" destOrd="0" parTransId="{E1013537-5BD9-8E4A-9813-7DA83B4B71FE}" sibTransId="{5C7D4E4C-E97E-374D-BA78-1E77594837C5}"/>
+    <dgm:cxn modelId="{19E8E150-E1A8-2E4B-B8E6-74A45C1BB777}" type="presOf" srcId="{68BB3168-2399-334F-AEC3-AD7857BE7556}" destId="{0D17DBEF-8DC5-BB41-91D0-3BBA58B1E50C}" srcOrd="1" destOrd="0" presId="urn:microsoft.com/office/officeart/2008/layout/HorizontalMultiLevelHierarchy"/>
+    <dgm:cxn modelId="{9F132551-EB9F-A34E-BA35-06627DC079FA}" type="presOf" srcId="{8C9252FA-D376-AF4F-A928-7B07D3A9F14C}" destId="{5B8994BC-26C2-9242-BC45-F7C2A1C7DAA3}" srcOrd="0" destOrd="0" presId="urn:microsoft.com/office/officeart/2008/layout/HorizontalMultiLevelHierarchy"/>
     <dgm:cxn modelId="{A88E825C-A410-134B-97CE-3FE70CB5A4B9}" srcId="{CAFBD26D-C046-7F48-ADA4-21950CDE4556}" destId="{3E3BE7EB-28EC-7441-8CA4-F2295725F03B}" srcOrd="0" destOrd="0" parTransId="{343A2E45-4600-7B44-A027-276788DCA753}" sibTransId="{E77A965D-D233-F44C-9868-601BA0ECEF3F}"/>
-    <dgm:cxn modelId="{21A94D75-5C32-0948-8ECF-FA7B27ABE38D}" type="presOf" srcId="{CAFBD26D-C046-7F48-ADA4-21950CDE4556}" destId="{6D3963DE-8BEF-BF45-A216-738BB3F07DCE}" srcOrd="0" destOrd="0" presId="urn:microsoft.com/office/officeart/2008/layout/HorizontalMultiLevelHierarchy"/>
-    <dgm:cxn modelId="{D44FB07A-7B31-C444-92CC-8A7440DA51FF}" type="presOf" srcId="{ACDD642F-C00F-ED47-A37D-808AD9A43899}" destId="{757D7BA7-9BA1-714D-800E-D6AD1DCF49AB}" srcOrd="0" destOrd="0" presId="urn:microsoft.com/office/officeart/2008/layout/HorizontalMultiLevelHierarchy"/>
-    <dgm:cxn modelId="{5C13FC8B-CB3F-4A4C-A6AF-DB6C7AA6294D}" type="presOf" srcId="{5D104622-0EA2-294B-86D7-57E2FF95A8B2}" destId="{48B1D92B-7B44-AA49-8C05-5A1ED090558B}" srcOrd="0" destOrd="0" presId="urn:microsoft.com/office/officeart/2008/layout/HorizontalMultiLevelHierarchy"/>
-    <dgm:cxn modelId="{2E8B028F-0DCD-F647-A5DA-77E5CBD68A4F}" type="presOf" srcId="{343A2E45-4600-7B44-A027-276788DCA753}" destId="{9EA7FF45-9EF8-1D46-9C23-E328890FB863}" srcOrd="1" destOrd="0" presId="urn:microsoft.com/office/officeart/2008/layout/HorizontalMultiLevelHierarchy"/>
-    <dgm:cxn modelId="{C765B09D-4EA6-164A-9DD8-693E53325FC9}" type="presOf" srcId="{343A2E45-4600-7B44-A027-276788DCA753}" destId="{9E796050-EBAC-5040-8C49-3CFDEE770182}" srcOrd="0" destOrd="0" presId="urn:microsoft.com/office/officeart/2008/layout/HorizontalMultiLevelHierarchy"/>
-    <dgm:cxn modelId="{DBA81DA9-CCBC-484F-8388-11B58DA95D7E}" type="presOf" srcId="{E1013537-5BD9-8E4A-9813-7DA83B4B71FE}" destId="{80140ABF-2B66-5242-ACC9-D73148E16FE4}" srcOrd="1" destOrd="0" presId="urn:microsoft.com/office/officeart/2008/layout/HorizontalMultiLevelHierarchy"/>
-    <dgm:cxn modelId="{2E6CC2A9-CD86-094D-9D62-F5314ECFA53F}" type="presOf" srcId="{FA53528F-C6A8-AE4D-BDD4-5C31FF6D49DA}" destId="{89F2BC82-E34C-A844-A2B8-C215ECE2C2A6}" srcOrd="0" destOrd="0" presId="urn:microsoft.com/office/officeart/2008/layout/HorizontalMultiLevelHierarchy"/>
-    <dgm:cxn modelId="{60CADEA9-B079-C240-B731-D40AF934C451}" type="presOf" srcId="{C5BD0025-9695-3C49-9B72-F45447070AE3}" destId="{DCA2FF94-A906-CE41-B9DC-FCE09ACFD9D6}" srcOrd="0" destOrd="0" presId="urn:microsoft.com/office/officeart/2008/layout/HorizontalMultiLevelHierarchy"/>
-    <dgm:cxn modelId="{36BC8DB6-BACB-E74F-ABA0-99407462FCD3}" type="presOf" srcId="{68BB3168-2399-334F-AEC3-AD7857BE7556}" destId="{0D17DBEF-8DC5-BB41-91D0-3BBA58B1E50C}" srcOrd="1" destOrd="0" presId="urn:microsoft.com/office/officeart/2008/layout/HorizontalMultiLevelHierarchy"/>
-    <dgm:cxn modelId="{D1F4EABB-CFEF-F542-A72C-5FE698AEDDBA}" type="presOf" srcId="{E1013537-5BD9-8E4A-9813-7DA83B4B71FE}" destId="{62FA0D57-77A0-0E48-8BBB-A7A5A7361916}" srcOrd="0" destOrd="0" presId="urn:microsoft.com/office/officeart/2008/layout/HorizontalMultiLevelHierarchy"/>
+    <dgm:cxn modelId="{E36EF38E-D17F-7D40-B2ED-91755C33EDCC}" type="presOf" srcId="{ACDD642F-C00F-ED47-A37D-808AD9A43899}" destId="{757D7BA7-9BA1-714D-800E-D6AD1DCF49AB}" srcOrd="0" destOrd="0" presId="urn:microsoft.com/office/officeart/2008/layout/HorizontalMultiLevelHierarchy"/>
+    <dgm:cxn modelId="{5499ADC1-5CA1-3843-9824-3CC0BF4A8A6C}" type="presOf" srcId="{E1013537-5BD9-8E4A-9813-7DA83B4B71FE}" destId="{80140ABF-2B66-5242-ACC9-D73148E16FE4}" srcOrd="1" destOrd="0" presId="urn:microsoft.com/office/officeart/2008/layout/HorizontalMultiLevelHierarchy"/>
+    <dgm:cxn modelId="{3E2E07CA-19F9-644E-A370-CFEECDEAD17C}" type="presOf" srcId="{CAFBD26D-C046-7F48-ADA4-21950CDE4556}" destId="{6D3963DE-8BEF-BF45-A216-738BB3F07DCE}" srcOrd="0" destOrd="0" presId="urn:microsoft.com/office/officeart/2008/layout/HorizontalMultiLevelHierarchy"/>
+    <dgm:cxn modelId="{4CAA27CC-7796-CD48-8BB5-E88D7A2C87B6}" type="presOf" srcId="{68BB3168-2399-334F-AEC3-AD7857BE7556}" destId="{0F3E52B3-48E7-6747-A479-D7585FD3039F}" srcOrd="0" destOrd="0" presId="urn:microsoft.com/office/officeart/2008/layout/HorizontalMultiLevelHierarchy"/>
     <dgm:cxn modelId="{8EF647CD-B8BE-574B-9FEC-6D77E5EA1C44}" srcId="{CAFBD26D-C046-7F48-ADA4-21950CDE4556}" destId="{5D104622-0EA2-294B-86D7-57E2FF95A8B2}" srcOrd="3" destOrd="0" parTransId="{ACDD642F-C00F-ED47-A37D-808AD9A43899}" sibTransId="{575E344E-476A-294A-9923-38A01FC4D462}"/>
-    <dgm:cxn modelId="{4A6327EB-A962-7044-85ED-C44763F06DD4}" type="presOf" srcId="{ACDD642F-C00F-ED47-A37D-808AD9A43899}" destId="{1D76E050-00FB-E845-AC83-A08C39D98A6C}" srcOrd="1" destOrd="0" presId="urn:microsoft.com/office/officeart/2008/layout/HorizontalMultiLevelHierarchy"/>
+    <dgm:cxn modelId="{B73742D5-6F3F-B242-A756-1B7FAD9E0031}" type="presOf" srcId="{E1013537-5BD9-8E4A-9813-7DA83B4B71FE}" destId="{62FA0D57-77A0-0E48-8BBB-A7A5A7361916}" srcOrd="0" destOrd="0" presId="urn:microsoft.com/office/officeart/2008/layout/HorizontalMultiLevelHierarchy"/>
+    <dgm:cxn modelId="{D8A2F0E1-02D6-8244-8AA7-58A1F2701C36}" type="presOf" srcId="{343A2E45-4600-7B44-A027-276788DCA753}" destId="{9E796050-EBAC-5040-8C49-3CFDEE770182}" srcOrd="0" destOrd="0" presId="urn:microsoft.com/office/officeart/2008/layout/HorizontalMultiLevelHierarchy"/>
     <dgm:cxn modelId="{6F5C56F0-4DC7-7942-A942-7DA80828A485}" srcId="{FA53528F-C6A8-AE4D-BDD4-5C31FF6D49DA}" destId="{CAFBD26D-C046-7F48-ADA4-21950CDE4556}" srcOrd="0" destOrd="0" parTransId="{FC0EA761-782E-DE4F-8315-6CFAF7B8D2DE}" sibTransId="{2898A20E-FE3F-FC4B-BCD7-20673EE416DF}"/>
-    <dgm:cxn modelId="{1681DFF7-2983-8341-A05B-B015D4150EAD}" type="presOf" srcId="{8C9252FA-D376-AF4F-A928-7B07D3A9F14C}" destId="{5B8994BC-26C2-9242-BC45-F7C2A1C7DAA3}" srcOrd="0" destOrd="0" presId="urn:microsoft.com/office/officeart/2008/layout/HorizontalMultiLevelHierarchy"/>
     <dgm:cxn modelId="{03276BFF-69FC-8B42-B0D4-7F3F980051AF}" srcId="{CAFBD26D-C046-7F48-ADA4-21950CDE4556}" destId="{C5BD0025-9695-3C49-9B72-F45447070AE3}" srcOrd="1" destOrd="0" parTransId="{68BB3168-2399-334F-AEC3-AD7857BE7556}" sibTransId="{B4CA14C0-2109-BF46-8005-EB65C26994AA}"/>
-    <dgm:cxn modelId="{F9E4BF29-890F-ED45-A6D7-ECB9424B18B5}" type="presParOf" srcId="{89F2BC82-E34C-A844-A2B8-C215ECE2C2A6}" destId="{69ABC3E3-179E-C84B-BB3C-A1959175682C}" srcOrd="0" destOrd="0" presId="urn:microsoft.com/office/officeart/2008/layout/HorizontalMultiLevelHierarchy"/>
-    <dgm:cxn modelId="{18432A8E-C31B-2044-80C4-871865227108}" type="presParOf" srcId="{69ABC3E3-179E-C84B-BB3C-A1959175682C}" destId="{6D3963DE-8BEF-BF45-A216-738BB3F07DCE}" srcOrd="0" destOrd="0" presId="urn:microsoft.com/office/officeart/2008/layout/HorizontalMultiLevelHierarchy"/>
-    <dgm:cxn modelId="{7DB4C242-6435-7B4C-A261-46C8DDBE13BB}" type="presParOf" srcId="{69ABC3E3-179E-C84B-BB3C-A1959175682C}" destId="{92A1214F-95CF-E841-9063-0FBC32526F22}" srcOrd="1" destOrd="0" presId="urn:microsoft.com/office/officeart/2008/layout/HorizontalMultiLevelHierarchy"/>
-    <dgm:cxn modelId="{540394EB-657B-6642-A8F6-AE0BC8F71424}" type="presParOf" srcId="{92A1214F-95CF-E841-9063-0FBC32526F22}" destId="{9E796050-EBAC-5040-8C49-3CFDEE770182}" srcOrd="0" destOrd="0" presId="urn:microsoft.com/office/officeart/2008/layout/HorizontalMultiLevelHierarchy"/>
-    <dgm:cxn modelId="{EB9059C9-AE9D-6448-8B33-9807D5CC9F71}" type="presParOf" srcId="{9E796050-EBAC-5040-8C49-3CFDEE770182}" destId="{9EA7FF45-9EF8-1D46-9C23-E328890FB863}" srcOrd="0" destOrd="0" presId="urn:microsoft.com/office/officeart/2008/layout/HorizontalMultiLevelHierarchy"/>
-    <dgm:cxn modelId="{0C2D8F4C-B153-674E-9B43-A14E4AB167FE}" type="presParOf" srcId="{92A1214F-95CF-E841-9063-0FBC32526F22}" destId="{8E85A8A6-5D0C-344D-9078-A2017F51CA01}" srcOrd="1" destOrd="0" presId="urn:microsoft.com/office/officeart/2008/layout/HorizontalMultiLevelHierarchy"/>
-    <dgm:cxn modelId="{B6EF4943-30CB-8944-933A-3BA7B83F5922}" type="presParOf" srcId="{8E85A8A6-5D0C-344D-9078-A2017F51CA01}" destId="{73EE4934-696B-BE49-9A93-B2285611320A}" srcOrd="0" destOrd="0" presId="urn:microsoft.com/office/officeart/2008/layout/HorizontalMultiLevelHierarchy"/>
-    <dgm:cxn modelId="{D5F3E06E-F836-424B-B20A-A3DD3434EADD}" type="presParOf" srcId="{8E85A8A6-5D0C-344D-9078-A2017F51CA01}" destId="{4093BBD6-8113-2642-9997-86F3637B083B}" srcOrd="1" destOrd="0" presId="urn:microsoft.com/office/officeart/2008/layout/HorizontalMultiLevelHierarchy"/>
-    <dgm:cxn modelId="{5993CE1A-8AF4-8147-9B14-919816670A66}" type="presParOf" srcId="{92A1214F-95CF-E841-9063-0FBC32526F22}" destId="{0F3E52B3-48E7-6747-A479-D7585FD3039F}" srcOrd="2" destOrd="0" presId="urn:microsoft.com/office/officeart/2008/layout/HorizontalMultiLevelHierarchy"/>
-    <dgm:cxn modelId="{45A70223-9CE9-CE4E-A20A-1720D7902C77}" type="presParOf" srcId="{0F3E52B3-48E7-6747-A479-D7585FD3039F}" destId="{0D17DBEF-8DC5-BB41-91D0-3BBA58B1E50C}" srcOrd="0" destOrd="0" presId="urn:microsoft.com/office/officeart/2008/layout/HorizontalMultiLevelHierarchy"/>
-    <dgm:cxn modelId="{0C701E62-2439-7D46-9CE8-F222A1BC6D21}" type="presParOf" srcId="{92A1214F-95CF-E841-9063-0FBC32526F22}" destId="{45D669EC-AA98-0B4E-AF0F-1AF1D9AABF38}" srcOrd="3" destOrd="0" presId="urn:microsoft.com/office/officeart/2008/layout/HorizontalMultiLevelHierarchy"/>
-    <dgm:cxn modelId="{543474A7-0524-934A-BB8D-C422C41E0696}" type="presParOf" srcId="{45D669EC-AA98-0B4E-AF0F-1AF1D9AABF38}" destId="{DCA2FF94-A906-CE41-B9DC-FCE09ACFD9D6}" srcOrd="0" destOrd="0" presId="urn:microsoft.com/office/officeart/2008/layout/HorizontalMultiLevelHierarchy"/>
-    <dgm:cxn modelId="{D813250F-123C-F94E-8C59-419AB18CF575}" type="presParOf" srcId="{45D669EC-AA98-0B4E-AF0F-1AF1D9AABF38}" destId="{081F5F59-844D-4C48-80ED-CDFEA5582FE4}" srcOrd="1" destOrd="0" presId="urn:microsoft.com/office/officeart/2008/layout/HorizontalMultiLevelHierarchy"/>
-    <dgm:cxn modelId="{A8D6DE4F-E2DA-7E45-9F7A-CD9B4DAB4778}" type="presParOf" srcId="{92A1214F-95CF-E841-9063-0FBC32526F22}" destId="{62FA0D57-77A0-0E48-8BBB-A7A5A7361916}" srcOrd="4" destOrd="0" presId="urn:microsoft.com/office/officeart/2008/layout/HorizontalMultiLevelHierarchy"/>
-    <dgm:cxn modelId="{3B40A7BD-C18C-7649-BBFE-8568FD10AC0E}" type="presParOf" srcId="{62FA0D57-77A0-0E48-8BBB-A7A5A7361916}" destId="{80140ABF-2B66-5242-ACC9-D73148E16FE4}" srcOrd="0" destOrd="0" presId="urn:microsoft.com/office/officeart/2008/layout/HorizontalMultiLevelHierarchy"/>
-    <dgm:cxn modelId="{5E4B3AB4-899C-C748-8B7C-5D6659A5BA24}" type="presParOf" srcId="{92A1214F-95CF-E841-9063-0FBC32526F22}" destId="{246BC75B-9347-C543-837C-2EC8984AD8E8}" srcOrd="5" destOrd="0" presId="urn:microsoft.com/office/officeart/2008/layout/HorizontalMultiLevelHierarchy"/>
-    <dgm:cxn modelId="{4C64A594-6980-1644-A9E6-F546A6873261}" type="presParOf" srcId="{246BC75B-9347-C543-837C-2EC8984AD8E8}" destId="{5B8994BC-26C2-9242-BC45-F7C2A1C7DAA3}" srcOrd="0" destOrd="0" presId="urn:microsoft.com/office/officeart/2008/layout/HorizontalMultiLevelHierarchy"/>
-    <dgm:cxn modelId="{0747B530-B6C7-844E-952F-3C47C98B3001}" type="presParOf" srcId="{246BC75B-9347-C543-837C-2EC8984AD8E8}" destId="{33018489-FC93-3045-ABC0-071BA7D9E263}" srcOrd="1" destOrd="0" presId="urn:microsoft.com/office/officeart/2008/layout/HorizontalMultiLevelHierarchy"/>
-    <dgm:cxn modelId="{74F05CB8-DE58-A140-9990-F8B672523EB5}" type="presParOf" srcId="{92A1214F-95CF-E841-9063-0FBC32526F22}" destId="{757D7BA7-9BA1-714D-800E-D6AD1DCF49AB}" srcOrd="6" destOrd="0" presId="urn:microsoft.com/office/officeart/2008/layout/HorizontalMultiLevelHierarchy"/>
-    <dgm:cxn modelId="{9BB0B792-2847-8144-B398-A1A516F74C84}" type="presParOf" srcId="{757D7BA7-9BA1-714D-800E-D6AD1DCF49AB}" destId="{1D76E050-00FB-E845-AC83-A08C39D98A6C}" srcOrd="0" destOrd="0" presId="urn:microsoft.com/office/officeart/2008/layout/HorizontalMultiLevelHierarchy"/>
-    <dgm:cxn modelId="{154A0C3B-94E1-6746-8C28-DBCED28B916C}" type="presParOf" srcId="{92A1214F-95CF-E841-9063-0FBC32526F22}" destId="{A859E0CF-8AB4-6D49-B917-C9245D9A0705}" srcOrd="7" destOrd="0" presId="urn:microsoft.com/office/officeart/2008/layout/HorizontalMultiLevelHierarchy"/>
-    <dgm:cxn modelId="{BE9BB965-C93B-2040-8291-C0D650533283}" type="presParOf" srcId="{A859E0CF-8AB4-6D49-B917-C9245D9A0705}" destId="{48B1D92B-7B44-AA49-8C05-5A1ED090558B}" srcOrd="0" destOrd="0" presId="urn:microsoft.com/office/officeart/2008/layout/HorizontalMultiLevelHierarchy"/>
-    <dgm:cxn modelId="{D9119F09-0C56-4C46-AB2B-59B22561EB68}" type="presParOf" srcId="{A859E0CF-8AB4-6D49-B917-C9245D9A0705}" destId="{392E6534-B1F3-9C4B-ABF8-2D3F9A415E3F}" srcOrd="1" destOrd="0" presId="urn:microsoft.com/office/officeart/2008/layout/HorizontalMultiLevelHierarchy"/>
+    <dgm:cxn modelId="{1DC08EFC-C5A9-B14E-B5DA-95DB0EA38C13}" type="presParOf" srcId="{89F2BC82-E34C-A844-A2B8-C215ECE2C2A6}" destId="{69ABC3E3-179E-C84B-BB3C-A1959175682C}" srcOrd="0" destOrd="0" presId="urn:microsoft.com/office/officeart/2008/layout/HorizontalMultiLevelHierarchy"/>
+    <dgm:cxn modelId="{EADF258E-EF10-334B-9A40-48D117080E18}" type="presParOf" srcId="{69ABC3E3-179E-C84B-BB3C-A1959175682C}" destId="{6D3963DE-8BEF-BF45-A216-738BB3F07DCE}" srcOrd="0" destOrd="0" presId="urn:microsoft.com/office/officeart/2008/layout/HorizontalMultiLevelHierarchy"/>
+    <dgm:cxn modelId="{E59E637E-994B-5843-84C9-512453969F08}" type="presParOf" srcId="{69ABC3E3-179E-C84B-BB3C-A1959175682C}" destId="{92A1214F-95CF-E841-9063-0FBC32526F22}" srcOrd="1" destOrd="0" presId="urn:microsoft.com/office/officeart/2008/layout/HorizontalMultiLevelHierarchy"/>
+    <dgm:cxn modelId="{26069BC8-2036-524C-A4AD-C9E0EB19EE8B}" type="presParOf" srcId="{92A1214F-95CF-E841-9063-0FBC32526F22}" destId="{9E796050-EBAC-5040-8C49-3CFDEE770182}" srcOrd="0" destOrd="0" presId="urn:microsoft.com/office/officeart/2008/layout/HorizontalMultiLevelHierarchy"/>
+    <dgm:cxn modelId="{E85F5A5F-CE6D-334F-BB40-6FCF61954ADF}" type="presParOf" srcId="{9E796050-EBAC-5040-8C49-3CFDEE770182}" destId="{9EA7FF45-9EF8-1D46-9C23-E328890FB863}" srcOrd="0" destOrd="0" presId="urn:microsoft.com/office/officeart/2008/layout/HorizontalMultiLevelHierarchy"/>
+    <dgm:cxn modelId="{56C29D3F-DCFB-884B-8372-CA7AE862B648}" type="presParOf" srcId="{92A1214F-95CF-E841-9063-0FBC32526F22}" destId="{8E85A8A6-5D0C-344D-9078-A2017F51CA01}" srcOrd="1" destOrd="0" presId="urn:microsoft.com/office/officeart/2008/layout/HorizontalMultiLevelHierarchy"/>
+    <dgm:cxn modelId="{41489F60-D770-A64B-AB1A-4DA6F84EAA63}" type="presParOf" srcId="{8E85A8A6-5D0C-344D-9078-A2017F51CA01}" destId="{73EE4934-696B-BE49-9A93-B2285611320A}" srcOrd="0" destOrd="0" presId="urn:microsoft.com/office/officeart/2008/layout/HorizontalMultiLevelHierarchy"/>
+    <dgm:cxn modelId="{AC4CC01A-E472-B148-91E2-F124D655DA90}" type="presParOf" srcId="{8E85A8A6-5D0C-344D-9078-A2017F51CA01}" destId="{4093BBD6-8113-2642-9997-86F3637B083B}" srcOrd="1" destOrd="0" presId="urn:microsoft.com/office/officeart/2008/layout/HorizontalMultiLevelHierarchy"/>
+    <dgm:cxn modelId="{DD3BE6BB-2054-2E46-B0B5-768BEC9EC2EB}" type="presParOf" srcId="{92A1214F-95CF-E841-9063-0FBC32526F22}" destId="{0F3E52B3-48E7-6747-A479-D7585FD3039F}" srcOrd="2" destOrd="0" presId="urn:microsoft.com/office/officeart/2008/layout/HorizontalMultiLevelHierarchy"/>
+    <dgm:cxn modelId="{8DE83FF5-17D2-114B-B952-416794144879}" type="presParOf" srcId="{0F3E52B3-48E7-6747-A479-D7585FD3039F}" destId="{0D17DBEF-8DC5-BB41-91D0-3BBA58B1E50C}" srcOrd="0" destOrd="0" presId="urn:microsoft.com/office/officeart/2008/layout/HorizontalMultiLevelHierarchy"/>
+    <dgm:cxn modelId="{99878A7E-EA79-6C46-97CD-39A44E893134}" type="presParOf" srcId="{92A1214F-95CF-E841-9063-0FBC32526F22}" destId="{45D669EC-AA98-0B4E-AF0F-1AF1D9AABF38}" srcOrd="3" destOrd="0" presId="urn:microsoft.com/office/officeart/2008/layout/HorizontalMultiLevelHierarchy"/>
+    <dgm:cxn modelId="{5E5197B2-740B-794D-AAFA-9D39C89CBF3D}" type="presParOf" srcId="{45D669EC-AA98-0B4E-AF0F-1AF1D9AABF38}" destId="{DCA2FF94-A906-CE41-B9DC-FCE09ACFD9D6}" srcOrd="0" destOrd="0" presId="urn:microsoft.com/office/officeart/2008/layout/HorizontalMultiLevelHierarchy"/>
+    <dgm:cxn modelId="{5593E859-4873-F84F-8096-D7404123134C}" type="presParOf" srcId="{45D669EC-AA98-0B4E-AF0F-1AF1D9AABF38}" destId="{081F5F59-844D-4C48-80ED-CDFEA5582FE4}" srcOrd="1" destOrd="0" presId="urn:microsoft.com/office/officeart/2008/layout/HorizontalMultiLevelHierarchy"/>
+    <dgm:cxn modelId="{3CAD3C58-2900-2B4D-B821-C96D7F7F75A9}" type="presParOf" srcId="{92A1214F-95CF-E841-9063-0FBC32526F22}" destId="{62FA0D57-77A0-0E48-8BBB-A7A5A7361916}" srcOrd="4" destOrd="0" presId="urn:microsoft.com/office/officeart/2008/layout/HorizontalMultiLevelHierarchy"/>
+    <dgm:cxn modelId="{CC2E639B-A0E4-5446-8C42-E79A1FCEEE77}" type="presParOf" srcId="{62FA0D57-77A0-0E48-8BBB-A7A5A7361916}" destId="{80140ABF-2B66-5242-ACC9-D73148E16FE4}" srcOrd="0" destOrd="0" presId="urn:microsoft.com/office/officeart/2008/layout/HorizontalMultiLevelHierarchy"/>
+    <dgm:cxn modelId="{3C277F0F-31A2-3C44-B5B9-ACDD6153947D}" type="presParOf" srcId="{92A1214F-95CF-E841-9063-0FBC32526F22}" destId="{246BC75B-9347-C543-837C-2EC8984AD8E8}" srcOrd="5" destOrd="0" presId="urn:microsoft.com/office/officeart/2008/layout/HorizontalMultiLevelHierarchy"/>
+    <dgm:cxn modelId="{46754F04-6402-A14B-B2B3-F99F5AC34BD5}" type="presParOf" srcId="{246BC75B-9347-C543-837C-2EC8984AD8E8}" destId="{5B8994BC-26C2-9242-BC45-F7C2A1C7DAA3}" srcOrd="0" destOrd="0" presId="urn:microsoft.com/office/officeart/2008/layout/HorizontalMultiLevelHierarchy"/>
+    <dgm:cxn modelId="{B05ECFA2-9B7E-D145-8668-91E6A80ABE46}" type="presParOf" srcId="{246BC75B-9347-C543-837C-2EC8984AD8E8}" destId="{33018489-FC93-3045-ABC0-071BA7D9E263}" srcOrd="1" destOrd="0" presId="urn:microsoft.com/office/officeart/2008/layout/HorizontalMultiLevelHierarchy"/>
+    <dgm:cxn modelId="{A03DA63E-EB39-1447-AE3E-D0BE1883B963}" type="presParOf" srcId="{92A1214F-95CF-E841-9063-0FBC32526F22}" destId="{757D7BA7-9BA1-714D-800E-D6AD1DCF49AB}" srcOrd="6" destOrd="0" presId="urn:microsoft.com/office/officeart/2008/layout/HorizontalMultiLevelHierarchy"/>
+    <dgm:cxn modelId="{8625D4CE-81B5-FD4D-95B3-D728EF2B8B48}" type="presParOf" srcId="{757D7BA7-9BA1-714D-800E-D6AD1DCF49AB}" destId="{1D76E050-00FB-E845-AC83-A08C39D98A6C}" srcOrd="0" destOrd="0" presId="urn:microsoft.com/office/officeart/2008/layout/HorizontalMultiLevelHierarchy"/>
+    <dgm:cxn modelId="{4CDA5A9F-E2C2-6F48-B4C4-4CAAA481A2E1}" type="presParOf" srcId="{92A1214F-95CF-E841-9063-0FBC32526F22}" destId="{A859E0CF-8AB4-6D49-B917-C9245D9A0705}" srcOrd="7" destOrd="0" presId="urn:microsoft.com/office/officeart/2008/layout/HorizontalMultiLevelHierarchy"/>
+    <dgm:cxn modelId="{FE22F5EF-72A9-DD40-836C-AEE69B6E6B5D}" type="presParOf" srcId="{A859E0CF-8AB4-6D49-B917-C9245D9A0705}" destId="{48B1D92B-7B44-AA49-8C05-5A1ED090558B}" srcOrd="0" destOrd="0" presId="urn:microsoft.com/office/officeart/2008/layout/HorizontalMultiLevelHierarchy"/>
+    <dgm:cxn modelId="{4114583E-ACE9-F444-96E9-B0312B1C3F82}" type="presParOf" srcId="{A859E0CF-8AB4-6D49-B917-C9245D9A0705}" destId="{392E6534-B1F3-9C4B-ABF8-2D3F9A415E3F}" srcOrd="1" destOrd="0" presId="urn:microsoft.com/office/officeart/2008/layout/HorizontalMultiLevelHierarchy"/>
   </dgm:cxnLst>
   <dgm:bg/>
   <dgm:whole/>
@@ -1320,13 +1378,7 @@
         <a:noFill/>
         <a:ln w="12700" cap="flat" cmpd="sng" algn="ctr">
           <a:solidFill>
-            <a:schemeClr val="accent1">
-              <a:shade val="60000"/>
-              <a:hueOff val="0"/>
-              <a:satOff val="0"/>
-              <a:lumOff val="0"/>
-              <a:alphaOff val="0"/>
-            </a:schemeClr>
+            <a:srgbClr val="2F3D7B"/>
           </a:solidFill>
           <a:prstDash val="solid"/>
         </a:ln>
@@ -1350,7 +1402,7 @@
         </a:bodyPr>
         <a:lstStyle/>
         <a:p>
-          <a:pPr marL="0" lvl="0" indent="0" algn="ctr" defTabSz="311150">
+          <a:pPr marL="0" lvl="0" indent="0" algn="ctr" defTabSz="311150" rtl="0">
             <a:lnSpc>
               <a:spcPct val="90000"/>
             </a:lnSpc>
@@ -1406,13 +1458,7 @@
         <a:noFill/>
         <a:ln w="12700" cap="flat" cmpd="sng" algn="ctr">
           <a:solidFill>
-            <a:schemeClr val="accent1">
-              <a:shade val="60000"/>
-              <a:hueOff val="0"/>
-              <a:satOff val="0"/>
-              <a:lumOff val="0"/>
-              <a:alphaOff val="0"/>
-            </a:schemeClr>
+            <a:srgbClr val="2F3D7B"/>
           </a:solidFill>
           <a:prstDash val="solid"/>
         </a:ln>
@@ -1436,7 +1482,7 @@
         </a:bodyPr>
         <a:lstStyle/>
         <a:p>
-          <a:pPr marL="0" lvl="0" indent="0" algn="ctr" defTabSz="222250">
+          <a:pPr marL="0" lvl="0" indent="0" algn="ctr" defTabSz="222250" rtl="0">
             <a:lnSpc>
               <a:spcPct val="90000"/>
             </a:lnSpc>
@@ -1492,13 +1538,7 @@
         <a:noFill/>
         <a:ln w="12700" cap="flat" cmpd="sng" algn="ctr">
           <a:solidFill>
-            <a:schemeClr val="accent1">
-              <a:shade val="60000"/>
-              <a:hueOff val="0"/>
-              <a:satOff val="0"/>
-              <a:lumOff val="0"/>
-              <a:alphaOff val="0"/>
-            </a:schemeClr>
+            <a:srgbClr val="2F3D7B"/>
           </a:solidFill>
           <a:prstDash val="solid"/>
         </a:ln>
@@ -1522,7 +1562,7 @@
         </a:bodyPr>
         <a:lstStyle/>
         <a:p>
-          <a:pPr marL="0" lvl="0" indent="0" algn="ctr" defTabSz="222250">
+          <a:pPr marL="0" lvl="0" indent="0" algn="ctr" defTabSz="222250" rtl="0">
             <a:lnSpc>
               <a:spcPct val="90000"/>
             </a:lnSpc>
@@ -1578,13 +1618,7 @@
         <a:noFill/>
         <a:ln w="12700" cap="flat" cmpd="sng" algn="ctr">
           <a:solidFill>
-            <a:schemeClr val="accent1">
-              <a:shade val="60000"/>
-              <a:hueOff val="0"/>
-              <a:satOff val="0"/>
-              <a:lumOff val="0"/>
-              <a:alphaOff val="0"/>
-            </a:schemeClr>
+            <a:srgbClr val="2F3D7B"/>
           </a:solidFill>
           <a:prstDash val="solid"/>
         </a:ln>
@@ -1608,7 +1642,7 @@
         </a:bodyPr>
         <a:lstStyle/>
         <a:p>
-          <a:pPr marL="0" lvl="0" indent="0" algn="ctr" defTabSz="311150">
+          <a:pPr marL="0" lvl="0" indent="0" algn="ctr" defTabSz="311150" rtl="0">
             <a:lnSpc>
               <a:spcPct val="90000"/>
             </a:lnSpc>
@@ -1642,12 +1676,7 @@
           <a:avLst/>
         </a:prstGeom>
         <a:solidFill>
-          <a:schemeClr val="accent1">
-            <a:hueOff val="0"/>
-            <a:satOff val="0"/>
-            <a:lumOff val="0"/>
-            <a:alphaOff val="0"/>
-          </a:schemeClr>
+          <a:srgbClr val="3E51A9"/>
         </a:solidFill>
         <a:ln w="12700" cap="flat" cmpd="sng" algn="ctr">
           <a:solidFill>
@@ -1696,7 +1725,7 @@
           </a:pPr>
           <a:r>
             <a:rPr lang="en-GB" sz="6500" kern="1200" dirty="0"/>
-            <a:t>priorities</a:t>
+            <a:t>roadmap</a:t>
           </a:r>
         </a:p>
       </dsp:txBody>
@@ -1719,12 +1748,7 @@
           <a:avLst/>
         </a:prstGeom>
         <a:solidFill>
-          <a:schemeClr val="accent1">
-            <a:hueOff val="0"/>
-            <a:satOff val="0"/>
-            <a:lumOff val="0"/>
-            <a:alphaOff val="0"/>
-          </a:schemeClr>
+          <a:srgbClr val="26326F"/>
         </a:solidFill>
         <a:ln w="12700" cap="flat" cmpd="sng" algn="ctr">
           <a:solidFill>
@@ -1821,12 +1845,7 @@
           <a:avLst/>
         </a:prstGeom>
         <a:solidFill>
-          <a:schemeClr val="accent1">
-            <a:hueOff val="0"/>
-            <a:satOff val="0"/>
-            <a:lumOff val="0"/>
-            <a:alphaOff val="0"/>
-          </a:schemeClr>
+          <a:srgbClr val="324190"/>
         </a:solidFill>
         <a:ln w="12700" cap="flat" cmpd="sng" algn="ctr">
           <a:solidFill>
@@ -1875,7 +1894,14 @@
           </a:pPr>
           <a:r>
             <a:rPr lang="en-GB" sz="3700" kern="1200" dirty="0"/>
-            <a:t>buy properties sold in winter</a:t>
+            <a:t>buy properties </a:t>
+          </a:r>
+          <a:br>
+            <a:rPr lang="en-GB" sz="3700" kern="1200" dirty="0"/>
+          </a:br>
+          <a:r>
+            <a:rPr lang="en-GB" sz="3700" kern="1200" dirty="0"/>
+            <a:t>in winter</a:t>
           </a:r>
         </a:p>
       </dsp:txBody>
@@ -1898,12 +1924,7 @@
           <a:avLst/>
         </a:prstGeom>
         <a:solidFill>
-          <a:schemeClr val="accent1">
-            <a:hueOff val="0"/>
-            <a:satOff val="0"/>
-            <a:lumOff val="0"/>
-            <a:alphaOff val="0"/>
-          </a:schemeClr>
+          <a:srgbClr val="3E51A9"/>
         </a:solidFill>
         <a:ln w="12700" cap="flat" cmpd="sng" algn="ctr">
           <a:solidFill>
@@ -1975,12 +1996,7 @@
           <a:avLst/>
         </a:prstGeom>
         <a:solidFill>
-          <a:schemeClr val="accent1">
-            <a:hueOff val="0"/>
-            <a:satOff val="0"/>
-            <a:lumOff val="0"/>
-            <a:alphaOff val="0"/>
-          </a:schemeClr>
+          <a:srgbClr val="5068E6"/>
         </a:solidFill>
         <a:ln w="12700" cap="flat" cmpd="sng" algn="ctr">
           <a:solidFill>
@@ -3407,6 +3423,440 @@
 </dgm:styleDef>
 </file>
 
+<file path=ppt/notesMasters/notesMaster1.xml><?xml version="1.0" encoding="utf-8"?>
+<p:notesMaster xmlns:a="http://schemas.openxmlformats.org/drawingml/2006/main" xmlns:r="http://schemas.openxmlformats.org/officeDocument/2006/relationships" xmlns:p="http://schemas.openxmlformats.org/presentationml/2006/main">
+  <p:cSld>
+    <p:bg>
+      <p:bgRef idx="1001">
+        <a:schemeClr val="bg1"/>
+      </p:bgRef>
+    </p:bg>
+    <p:spTree>
+      <p:nvGrpSpPr>
+        <p:cNvPr id="1" name=""/>
+        <p:cNvGrpSpPr/>
+        <p:nvPr/>
+      </p:nvGrpSpPr>
+      <p:grpSpPr>
+        <a:xfrm>
+          <a:off x="0" y="0"/>
+          <a:ext cx="0" cy="0"/>
+          <a:chOff x="0" y="0"/>
+          <a:chExt cx="0" cy="0"/>
+        </a:xfrm>
+      </p:grpSpPr>
+      <p:sp>
+        <p:nvSpPr>
+          <p:cNvPr id="2" name="Header Placeholder 1"/>
+          <p:cNvSpPr>
+            <a:spLocks noGrp="1"/>
+          </p:cNvSpPr>
+          <p:nvPr>
+            <p:ph type="hdr" sz="quarter"/>
+          </p:nvPr>
+        </p:nvSpPr>
+        <p:spPr>
+          <a:xfrm>
+            <a:off x="0" y="0"/>
+            <a:ext cx="2971800" cy="458788"/>
+          </a:xfrm>
+          <a:prstGeom prst="rect">
+            <a:avLst/>
+          </a:prstGeom>
+        </p:spPr>
+        <p:txBody>
+          <a:bodyPr vert="horz" lIns="91440" tIns="45720" rIns="91440" bIns="45720" rtlCol="0"/>
+          <a:lstStyle>
+            <a:lvl1pPr algn="l">
+              <a:defRPr sz="1200"/>
+            </a:lvl1pPr>
+          </a:lstStyle>
+          <a:p>
+            <a:endParaRPr lang="en-DE"/>
+          </a:p>
+        </p:txBody>
+      </p:sp>
+      <p:sp>
+        <p:nvSpPr>
+          <p:cNvPr id="3" name="Date Placeholder 2"/>
+          <p:cNvSpPr>
+            <a:spLocks noGrp="1"/>
+          </p:cNvSpPr>
+          <p:nvPr>
+            <p:ph type="dt" idx="1"/>
+          </p:nvPr>
+        </p:nvSpPr>
+        <p:spPr>
+          <a:xfrm>
+            <a:off x="3884613" y="0"/>
+            <a:ext cx="2971800" cy="458788"/>
+          </a:xfrm>
+          <a:prstGeom prst="rect">
+            <a:avLst/>
+          </a:prstGeom>
+        </p:spPr>
+        <p:txBody>
+          <a:bodyPr vert="horz" lIns="91440" tIns="45720" rIns="91440" bIns="45720" rtlCol="0"/>
+          <a:lstStyle>
+            <a:lvl1pPr algn="r">
+              <a:defRPr sz="1200"/>
+            </a:lvl1pPr>
+          </a:lstStyle>
+          <a:p>
+            <a:fld id="{1DE5A5E9-624E-6142-B5AE-D07B4012F048}" type="datetimeFigureOut">
+              <a:rPr lang="en-DE" smtClean="0"/>
+              <a:t>19.09.25</a:t>
+            </a:fld>
+            <a:endParaRPr lang="en-DE"/>
+          </a:p>
+        </p:txBody>
+      </p:sp>
+      <p:sp>
+        <p:nvSpPr>
+          <p:cNvPr id="4" name="Slide Image Placeholder 3"/>
+          <p:cNvSpPr>
+            <a:spLocks noGrp="1" noRot="1" noChangeAspect="1"/>
+          </p:cNvSpPr>
+          <p:nvPr>
+            <p:ph type="sldImg" idx="2"/>
+          </p:nvPr>
+        </p:nvSpPr>
+        <p:spPr>
+          <a:xfrm>
+            <a:off x="685800" y="1143000"/>
+            <a:ext cx="5486400" cy="3086100"/>
+          </a:xfrm>
+          <a:prstGeom prst="rect">
+            <a:avLst/>
+          </a:prstGeom>
+          <a:noFill/>
+          <a:ln w="12700">
+            <a:solidFill>
+              <a:prstClr val="black"/>
+            </a:solidFill>
+          </a:ln>
+        </p:spPr>
+        <p:txBody>
+          <a:bodyPr vert="horz" lIns="91440" tIns="45720" rIns="91440" bIns="45720" rtlCol="0" anchor="ctr"/>
+          <a:lstStyle/>
+          <a:p>
+            <a:endParaRPr lang="en-DE"/>
+          </a:p>
+        </p:txBody>
+      </p:sp>
+      <p:sp>
+        <p:nvSpPr>
+          <p:cNvPr id="5" name="Notes Placeholder 4"/>
+          <p:cNvSpPr>
+            <a:spLocks noGrp="1"/>
+          </p:cNvSpPr>
+          <p:nvPr>
+            <p:ph type="body" sz="quarter" idx="3"/>
+          </p:nvPr>
+        </p:nvSpPr>
+        <p:spPr>
+          <a:xfrm>
+            <a:off x="685800" y="4400550"/>
+            <a:ext cx="5486400" cy="3600450"/>
+          </a:xfrm>
+          <a:prstGeom prst="rect">
+            <a:avLst/>
+          </a:prstGeom>
+        </p:spPr>
+        <p:txBody>
+          <a:bodyPr vert="horz" lIns="91440" tIns="45720" rIns="91440" bIns="45720" rtlCol="0"/>
+          <a:lstStyle/>
+          <a:p>
+            <a:pPr lvl="0"/>
+            <a:r>
+              <a:rPr lang="en-GB"/>
+              <a:t>Click to edit Master text styles</a:t>
+            </a:r>
+          </a:p>
+          <a:p>
+            <a:pPr lvl="1"/>
+            <a:r>
+              <a:rPr lang="en-GB"/>
+              <a:t>Second level</a:t>
+            </a:r>
+          </a:p>
+          <a:p>
+            <a:pPr lvl="2"/>
+            <a:r>
+              <a:rPr lang="en-GB"/>
+              <a:t>Third level</a:t>
+            </a:r>
+          </a:p>
+          <a:p>
+            <a:pPr lvl="3"/>
+            <a:r>
+              <a:rPr lang="en-GB"/>
+              <a:t>Fourth level</a:t>
+            </a:r>
+          </a:p>
+          <a:p>
+            <a:pPr lvl="4"/>
+            <a:r>
+              <a:rPr lang="en-GB"/>
+              <a:t>Fifth level</a:t>
+            </a:r>
+            <a:endParaRPr lang="en-DE"/>
+          </a:p>
+        </p:txBody>
+      </p:sp>
+      <p:sp>
+        <p:nvSpPr>
+          <p:cNvPr id="6" name="Footer Placeholder 5"/>
+          <p:cNvSpPr>
+            <a:spLocks noGrp="1"/>
+          </p:cNvSpPr>
+          <p:nvPr>
+            <p:ph type="ftr" sz="quarter" idx="4"/>
+          </p:nvPr>
+        </p:nvSpPr>
+        <p:spPr>
+          <a:xfrm>
+            <a:off x="0" y="8685213"/>
+            <a:ext cx="2971800" cy="458787"/>
+          </a:xfrm>
+          <a:prstGeom prst="rect">
+            <a:avLst/>
+          </a:prstGeom>
+        </p:spPr>
+        <p:txBody>
+          <a:bodyPr vert="horz" lIns="91440" tIns="45720" rIns="91440" bIns="45720" rtlCol="0" anchor="b"/>
+          <a:lstStyle>
+            <a:lvl1pPr algn="l">
+              <a:defRPr sz="1200"/>
+            </a:lvl1pPr>
+          </a:lstStyle>
+          <a:p>
+            <a:endParaRPr lang="en-DE"/>
+          </a:p>
+        </p:txBody>
+      </p:sp>
+      <p:sp>
+        <p:nvSpPr>
+          <p:cNvPr id="7" name="Slide Number Placeholder 6"/>
+          <p:cNvSpPr>
+            <a:spLocks noGrp="1"/>
+          </p:cNvSpPr>
+          <p:nvPr>
+            <p:ph type="sldNum" sz="quarter" idx="5"/>
+          </p:nvPr>
+        </p:nvSpPr>
+        <p:spPr>
+          <a:xfrm>
+            <a:off x="3884613" y="8685213"/>
+            <a:ext cx="2971800" cy="458787"/>
+          </a:xfrm>
+          <a:prstGeom prst="rect">
+            <a:avLst/>
+          </a:prstGeom>
+        </p:spPr>
+        <p:txBody>
+          <a:bodyPr vert="horz" lIns="91440" tIns="45720" rIns="91440" bIns="45720" rtlCol="0" anchor="b"/>
+          <a:lstStyle>
+            <a:lvl1pPr algn="r">
+              <a:defRPr sz="1200"/>
+            </a:lvl1pPr>
+          </a:lstStyle>
+          <a:p>
+            <a:fld id="{FE34E7DF-76DC-2C48-A080-52D34754B412}" type="slidenum">
+              <a:rPr lang="en-DE" smtClean="0"/>
+              <a:t>‹#›</a:t>
+            </a:fld>
+            <a:endParaRPr lang="en-DE"/>
+          </a:p>
+        </p:txBody>
+      </p:sp>
+    </p:spTree>
+    <p:extLst>
+      <p:ext uri="{BB962C8B-B14F-4D97-AF65-F5344CB8AC3E}">
+        <p14:creationId xmlns:p14="http://schemas.microsoft.com/office/powerpoint/2010/main" val="678681788"/>
+      </p:ext>
+    </p:extLst>
+  </p:cSld>
+  <p:clrMap bg1="lt1" tx1="dk1" bg2="lt2" tx2="dk2" accent1="accent1" accent2="accent2" accent3="accent3" accent4="accent4" accent5="accent5" accent6="accent6" hlink="hlink" folHlink="folHlink"/>
+  <p:notesStyle>
+    <a:lvl1pPr marL="0" algn="l" defTabSz="914400" rtl="0" eaLnBrk="1" latinLnBrk="0" hangingPunct="1">
+      <a:defRPr sz="1200" kern="1200">
+        <a:solidFill>
+          <a:schemeClr val="tx1"/>
+        </a:solidFill>
+        <a:latin typeface="+mn-lt"/>
+        <a:ea typeface="+mn-ea"/>
+        <a:cs typeface="+mn-cs"/>
+      </a:defRPr>
+    </a:lvl1pPr>
+    <a:lvl2pPr marL="457200" algn="l" defTabSz="914400" rtl="0" eaLnBrk="1" latinLnBrk="0" hangingPunct="1">
+      <a:defRPr sz="1200" kern="1200">
+        <a:solidFill>
+          <a:schemeClr val="tx1"/>
+        </a:solidFill>
+        <a:latin typeface="+mn-lt"/>
+        <a:ea typeface="+mn-ea"/>
+        <a:cs typeface="+mn-cs"/>
+      </a:defRPr>
+    </a:lvl2pPr>
+    <a:lvl3pPr marL="914400" algn="l" defTabSz="914400" rtl="0" eaLnBrk="1" latinLnBrk="0" hangingPunct="1">
+      <a:defRPr sz="1200" kern="1200">
+        <a:solidFill>
+          <a:schemeClr val="tx1"/>
+        </a:solidFill>
+        <a:latin typeface="+mn-lt"/>
+        <a:ea typeface="+mn-ea"/>
+        <a:cs typeface="+mn-cs"/>
+      </a:defRPr>
+    </a:lvl3pPr>
+    <a:lvl4pPr marL="1371600" algn="l" defTabSz="914400" rtl="0" eaLnBrk="1" latinLnBrk="0" hangingPunct="1">
+      <a:defRPr sz="1200" kern="1200">
+        <a:solidFill>
+          <a:schemeClr val="tx1"/>
+        </a:solidFill>
+        <a:latin typeface="+mn-lt"/>
+        <a:ea typeface="+mn-ea"/>
+        <a:cs typeface="+mn-cs"/>
+      </a:defRPr>
+    </a:lvl4pPr>
+    <a:lvl5pPr marL="1828800" algn="l" defTabSz="914400" rtl="0" eaLnBrk="1" latinLnBrk="0" hangingPunct="1">
+      <a:defRPr sz="1200" kern="1200">
+        <a:solidFill>
+          <a:schemeClr val="tx1"/>
+        </a:solidFill>
+        <a:latin typeface="+mn-lt"/>
+        <a:ea typeface="+mn-ea"/>
+        <a:cs typeface="+mn-cs"/>
+      </a:defRPr>
+    </a:lvl5pPr>
+    <a:lvl6pPr marL="2286000" algn="l" defTabSz="914400" rtl="0" eaLnBrk="1" latinLnBrk="0" hangingPunct="1">
+      <a:defRPr sz="1200" kern="1200">
+        <a:solidFill>
+          <a:schemeClr val="tx1"/>
+        </a:solidFill>
+        <a:latin typeface="+mn-lt"/>
+        <a:ea typeface="+mn-ea"/>
+        <a:cs typeface="+mn-cs"/>
+      </a:defRPr>
+    </a:lvl6pPr>
+    <a:lvl7pPr marL="2743200" algn="l" defTabSz="914400" rtl="0" eaLnBrk="1" latinLnBrk="0" hangingPunct="1">
+      <a:defRPr sz="1200" kern="1200">
+        <a:solidFill>
+          <a:schemeClr val="tx1"/>
+        </a:solidFill>
+        <a:latin typeface="+mn-lt"/>
+        <a:ea typeface="+mn-ea"/>
+        <a:cs typeface="+mn-cs"/>
+      </a:defRPr>
+    </a:lvl7pPr>
+    <a:lvl8pPr marL="3200400" algn="l" defTabSz="914400" rtl="0" eaLnBrk="1" latinLnBrk="0" hangingPunct="1">
+      <a:defRPr sz="1200" kern="1200">
+        <a:solidFill>
+          <a:schemeClr val="tx1"/>
+        </a:solidFill>
+        <a:latin typeface="+mn-lt"/>
+        <a:ea typeface="+mn-ea"/>
+        <a:cs typeface="+mn-cs"/>
+      </a:defRPr>
+    </a:lvl8pPr>
+    <a:lvl9pPr marL="3657600" algn="l" defTabSz="914400" rtl="0" eaLnBrk="1" latinLnBrk="0" hangingPunct="1">
+      <a:defRPr sz="1200" kern="1200">
+        <a:solidFill>
+          <a:schemeClr val="tx1"/>
+        </a:solidFill>
+        <a:latin typeface="+mn-lt"/>
+        <a:ea typeface="+mn-ea"/>
+        <a:cs typeface="+mn-cs"/>
+      </a:defRPr>
+    </a:lvl9pPr>
+  </p:notesStyle>
+</p:notesMaster>
+</file>
+
+<file path=ppt/notesSlides/notesSlide1.xml><?xml version="1.0" encoding="utf-8"?>
+<p:notes xmlns:a="http://schemas.openxmlformats.org/drawingml/2006/main" xmlns:r="http://schemas.openxmlformats.org/officeDocument/2006/relationships" xmlns:p="http://schemas.openxmlformats.org/presentationml/2006/main">
+  <p:cSld>
+    <p:spTree>
+      <p:nvGrpSpPr>
+        <p:cNvPr id="1" name=""/>
+        <p:cNvGrpSpPr/>
+        <p:nvPr/>
+      </p:nvGrpSpPr>
+      <p:grpSpPr>
+        <a:xfrm>
+          <a:off x="0" y="0"/>
+          <a:ext cx="0" cy="0"/>
+          <a:chOff x="0" y="0"/>
+          <a:chExt cx="0" cy="0"/>
+        </a:xfrm>
+      </p:grpSpPr>
+      <p:sp>
+        <p:nvSpPr>
+          <p:cNvPr id="2" name="Slide Image Placeholder 1"/>
+          <p:cNvSpPr>
+            <a:spLocks noGrp="1" noRot="1" noChangeAspect="1"/>
+          </p:cNvSpPr>
+          <p:nvPr>
+            <p:ph type="sldImg"/>
+          </p:nvPr>
+        </p:nvSpPr>
+        <p:spPr/>
+      </p:sp>
+      <p:sp>
+        <p:nvSpPr>
+          <p:cNvPr id="3" name="Notes Placeholder 2"/>
+          <p:cNvSpPr>
+            <a:spLocks noGrp="1"/>
+          </p:cNvSpPr>
+          <p:nvPr>
+            <p:ph type="body" idx="1"/>
+          </p:nvPr>
+        </p:nvSpPr>
+        <p:spPr/>
+        <p:txBody>
+          <a:bodyPr/>
+          <a:lstStyle/>
+          <a:p>
+            <a:endParaRPr lang="en-DE" dirty="0"/>
+          </a:p>
+        </p:txBody>
+      </p:sp>
+      <p:sp>
+        <p:nvSpPr>
+          <p:cNvPr id="4" name="Slide Number Placeholder 3"/>
+          <p:cNvSpPr>
+            <a:spLocks noGrp="1"/>
+          </p:cNvSpPr>
+          <p:nvPr>
+            <p:ph type="sldNum" sz="quarter" idx="5"/>
+          </p:nvPr>
+        </p:nvSpPr>
+        <p:spPr/>
+        <p:txBody>
+          <a:bodyPr/>
+          <a:lstStyle/>
+          <a:p>
+            <a:fld id="{FE34E7DF-76DC-2C48-A080-52D34754B412}" type="slidenum">
+              <a:rPr lang="en-DE" smtClean="0"/>
+              <a:t>7</a:t>
+            </a:fld>
+            <a:endParaRPr lang="en-DE"/>
+          </a:p>
+        </p:txBody>
+      </p:sp>
+    </p:spTree>
+    <p:extLst>
+      <p:ext uri="{BB962C8B-B14F-4D97-AF65-F5344CB8AC3E}">
+        <p14:creationId xmlns:p14="http://schemas.microsoft.com/office/powerpoint/2010/main" val="2743781511"/>
+      </p:ext>
+    </p:extLst>
+  </p:cSld>
+  <p:clrMapOvr>
+    <a:masterClrMapping/>
+  </p:clrMapOvr>
+</p:notes>
+</file>
+
 <file path=ppt/slideLayouts/slideLayout1.xml><?xml version="1.0" encoding="utf-8"?>
 <p:sldLayout xmlns:a="http://schemas.openxmlformats.org/drawingml/2006/main" xmlns:r="http://schemas.openxmlformats.org/officeDocument/2006/relationships" xmlns:p="http://schemas.openxmlformats.org/presentationml/2006/main" type="title" preserve="1">
   <p:cSld name="Title Slide">
@@ -3570,7 +4020,7 @@
           <a:p>
             <a:fld id="{1160EA64-D806-43AC-9DF2-F8C432F32B4C}" type="datetimeFigureOut">
               <a:rPr lang="en-US" dirty="0"/>
-              <a:t>9/18/25</a:t>
+              <a:t>9/19/25</a:t>
             </a:fld>
             <a:endParaRPr lang="en-US" dirty="0"/>
           </a:p>
@@ -3736,7 +4186,7 @@
           <a:p>
             <a:fld id="{E9F9C37B-1D36-470B-8223-D6C91242EC14}" type="datetimeFigureOut">
               <a:rPr lang="en-US" dirty="0"/>
-              <a:t>9/18/25</a:t>
+              <a:t>9/19/25</a:t>
             </a:fld>
             <a:endParaRPr lang="en-US" dirty="0"/>
           </a:p>
@@ -3911,7 +4361,7 @@
           <a:p>
             <a:fld id="{67C6F52A-A82B-47A2-A83A-8C4C91F2D59F}" type="datetimeFigureOut">
               <a:rPr lang="en-US" dirty="0"/>
-              <a:t>9/18/25</a:t>
+              <a:t>9/19/25</a:t>
             </a:fld>
             <a:endParaRPr lang="en-US" dirty="0"/>
           </a:p>
@@ -4076,7 +4526,7 @@
           <a:p>
             <a:fld id="{F070A7B3-6521-4DCA-87E5-044747A908C1}" type="datetimeFigureOut">
               <a:rPr lang="en-US" dirty="0"/>
-              <a:t>9/18/25</a:t>
+              <a:t>9/19/25</a:t>
             </a:fld>
             <a:endParaRPr lang="en-US" dirty="0"/>
           </a:p>
@@ -4340,7 +4790,7 @@
           <a:p>
             <a:fld id="{1160EA64-D806-43AC-9DF2-F8C432F32B4C}" type="datetimeFigureOut">
               <a:rPr lang="en-US" dirty="0"/>
-              <a:t>9/18/25</a:t>
+              <a:t>9/19/25</a:t>
             </a:fld>
             <a:endParaRPr lang="en-US" dirty="0"/>
           </a:p>
@@ -4568,7 +5018,7 @@
           <a:p>
             <a:fld id="{AB134690-1557-4C89-A502-4959FE7FAD70}" type="datetimeFigureOut">
               <a:rPr lang="en-US" dirty="0"/>
-              <a:t>9/18/25</a:t>
+              <a:t>9/19/25</a:t>
             </a:fld>
             <a:endParaRPr lang="en-US" dirty="0"/>
           </a:p>
@@ -4922,7 +5372,7 @@
           <a:p>
             <a:fld id="{4F7D4976-E339-4826-83B7-FBD03F55ECF8}" type="datetimeFigureOut">
               <a:rPr lang="en-US" dirty="0"/>
-              <a:t>9/18/25</a:t>
+              <a:t>9/19/25</a:t>
             </a:fld>
             <a:endParaRPr lang="en-US" dirty="0"/>
           </a:p>
@@ -5058,7 +5508,7 @@
           <a:p>
             <a:fld id="{E1037C31-9E7A-4F99-8774-A0E530DE1A42}" type="datetimeFigureOut">
               <a:rPr lang="en-US" dirty="0"/>
-              <a:t>9/18/25</a:t>
+              <a:t>9/19/25</a:t>
             </a:fld>
             <a:endParaRPr lang="en-US" dirty="0"/>
           </a:p>
@@ -5148,7 +5598,7 @@
           <a:p>
             <a:fld id="{C278504F-A551-4DE0-9316-4DCD1D8CC752}" type="datetimeFigureOut">
               <a:rPr lang="en-US" dirty="0"/>
-              <a:t>9/18/25</a:t>
+              <a:t>9/19/25</a:t>
             </a:fld>
             <a:endParaRPr lang="en-US" dirty="0"/>
           </a:p>
@@ -5500,7 +5950,7 @@
           <a:p>
             <a:fld id="{D1BE4249-C0D0-4B06-8692-E8BB871AF643}" type="datetimeFigureOut">
               <a:rPr lang="en-US" dirty="0"/>
-              <a:t>9/18/25</a:t>
+              <a:t>9/19/25</a:t>
             </a:fld>
             <a:endParaRPr lang="en-US" dirty="0"/>
           </a:p>
@@ -5852,7 +6302,7 @@
           <a:p>
             <a:fld id="{042B0DB6-F5C7-45FB-8CF3-31B45F9C2DAC}" type="datetimeFigureOut">
               <a:rPr lang="en-US" dirty="0"/>
-              <a:t>9/18/25</a:t>
+              <a:t>9/19/25</a:t>
             </a:fld>
             <a:endParaRPr lang="en-US" dirty="0"/>
           </a:p>
@@ -6089,7 +6539,7 @@
           <a:p>
             <a:fld id="{1160EA64-D806-43AC-9DF2-F8C432F32B4C}" type="datetimeFigureOut">
               <a:rPr lang="en-US" dirty="0"/>
-              <a:t>9/18/25</a:t>
+              <a:t>9/19/25</a:t>
             </a:fld>
             <a:endParaRPr lang="en-US" dirty="0"/>
           </a:p>
@@ -6524,6 +6974,16 @@
 <file path=ppt/slides/slide1.xml><?xml version="1.0" encoding="utf-8"?>
 <p:sld xmlns:a="http://schemas.openxmlformats.org/drawingml/2006/main" xmlns:r="http://schemas.openxmlformats.org/officeDocument/2006/relationships" xmlns:p="http://schemas.openxmlformats.org/presentationml/2006/main">
   <p:cSld>
+    <p:bg>
+      <p:bgPr>
+        <a:solidFill>
+          <a:schemeClr val="bg1">
+            <a:lumMod val="95000"/>
+          </a:schemeClr>
+        </a:solidFill>
+        <a:effectLst/>
+      </p:bgPr>
+    </p:bg>
     <p:spTree>
       <p:nvGrpSpPr>
         <p:cNvPr id="1" name=""/>
@@ -6554,24 +7014,27 @@
             <p:ph type="ctrTitle"/>
           </p:nvPr>
         </p:nvSpPr>
-        <p:spPr/>
+        <p:spPr>
+          <a:xfrm>
+            <a:off x="804670" y="978776"/>
+            <a:ext cx="3044953" cy="1174991"/>
+          </a:xfrm>
+        </p:spPr>
         <p:txBody>
-          <a:bodyPr/>
+          <a:bodyPr vert="horz" lIns="182880" tIns="182880" rIns="182880" bIns="182880" rtlCol="0" anchor="ctr">
+            <a:normAutofit/>
+          </a:bodyPr>
           <a:lstStyle/>
           <a:p>
             <a:r>
-              <a:rPr lang="en-GB" dirty="0"/>
-              <a:t>B</a:t>
-            </a:r>
-            <a:r>
-              <a:rPr lang="en-DE" dirty="0"/>
-              <a:t>uying &amp; selling </a:t>
+              <a:rPr lang="en-US" sz="1900"/>
+              <a:t>Buying &amp; selling </a:t>
             </a:r>
             <a:br>
-              <a:rPr lang="en-DE" dirty="0"/>
+              <a:rPr lang="en-US" sz="1900"/>
             </a:br>
             <a:r>
-              <a:rPr lang="en-DE" dirty="0"/>
+              <a:rPr lang="en-US" sz="1900"/>
               <a:t>for a good cause</a:t>
             </a:r>
           </a:p>
@@ -6595,62 +7058,128 @@
         </p:nvSpPr>
         <p:spPr>
           <a:xfrm>
-            <a:off x="2695194" y="4352544"/>
-            <a:ext cx="6801612" cy="1645920"/>
+            <a:off x="804670" y="2640692"/>
+            <a:ext cx="3044952" cy="3255252"/>
           </a:xfrm>
         </p:spPr>
         <p:txBody>
-          <a:bodyPr>
-            <a:normAutofit lnSpcReduction="10000"/>
+          <a:bodyPr vert="horz" lIns="91440" tIns="45720" rIns="91440" bIns="45720" rtlCol="0">
+            <a:normAutofit/>
           </a:bodyPr>
           <a:lstStyle/>
           <a:p>
-            <a:r>
-              <a:rPr lang="de-DE" dirty="0" err="1"/>
-              <a:t>properties</a:t>
-            </a:r>
-            <a:r>
-              <a:rPr lang="de-DE" dirty="0"/>
-              <a:t> </a:t>
-            </a:r>
-            <a:r>
-              <a:rPr lang="de-DE" dirty="0" err="1"/>
-              <a:t>for</a:t>
-            </a:r>
-            <a:r>
-              <a:rPr lang="de-DE" dirty="0"/>
-              <a:t> a </a:t>
-            </a:r>
-            <a:r>
-              <a:rPr lang="en-DE" dirty="0"/>
-              <a:t>socially responsible investor</a:t>
-            </a:r>
-          </a:p>
-          <a:p>
-            <a:endParaRPr lang="en-GB" dirty="0"/>
-          </a:p>
-          <a:p>
-            <a:r>
-              <a:rPr lang="en-GB" dirty="0"/>
-              <a:t>a</a:t>
-            </a:r>
-            <a:r>
-              <a:rPr lang="en-DE" dirty="0"/>
-              <a:t> proposal by real estate data analysts MJR &amp; TD</a:t>
-            </a:r>
-          </a:p>
-          <a:p>
-            <a:r>
-              <a:rPr lang="en-GB" dirty="0"/>
-              <a:t>s</a:t>
-            </a:r>
-            <a:r>
-              <a:rPr lang="en-DE" dirty="0"/>
-              <a:t>eptember 2025</a:t>
+            <a:endParaRPr lang="en-US" sz="1600" dirty="0">
+              <a:solidFill>
+                <a:schemeClr val="tx1">
+                  <a:lumMod val="85000"/>
+                  <a:lumOff val="15000"/>
+                </a:schemeClr>
+              </a:solidFill>
+            </a:endParaRPr>
+          </a:p>
+          <a:p>
+            <a:r>
+              <a:rPr lang="en-US" sz="1600" dirty="0">
+                <a:solidFill>
+                  <a:schemeClr val="tx1">
+                    <a:lumMod val="85000"/>
+                    <a:lumOff val="15000"/>
+                  </a:schemeClr>
+                </a:solidFill>
+              </a:rPr>
+              <a:t>properties for a socially responsible investor</a:t>
+            </a:r>
+          </a:p>
+          <a:p>
+            <a:endParaRPr lang="en-US" sz="1600" dirty="0">
+              <a:solidFill>
+                <a:schemeClr val="tx1">
+                  <a:lumMod val="85000"/>
+                  <a:lumOff val="15000"/>
+                </a:schemeClr>
+              </a:solidFill>
+            </a:endParaRPr>
+          </a:p>
+          <a:p>
+            <a:r>
+              <a:rPr lang="en-US" sz="1600" dirty="0">
+                <a:solidFill>
+                  <a:schemeClr val="tx1">
+                    <a:lumMod val="85000"/>
+                    <a:lumOff val="15000"/>
+                  </a:schemeClr>
+                </a:solidFill>
+              </a:rPr>
+              <a:t>a proposal by real estate data analysts MJR &amp; TD</a:t>
+            </a:r>
+          </a:p>
+          <a:p>
+            <a:endParaRPr lang="en-US" sz="1600" dirty="0">
+              <a:solidFill>
+                <a:schemeClr val="tx1">
+                  <a:lumMod val="85000"/>
+                  <a:lumOff val="15000"/>
+                </a:schemeClr>
+              </a:solidFill>
+            </a:endParaRPr>
+          </a:p>
+          <a:p>
+            <a:r>
+              <a:rPr lang="en-US" sz="1600" dirty="0" err="1">
+                <a:solidFill>
+                  <a:schemeClr val="tx1">
+                    <a:lumMod val="85000"/>
+                    <a:lumOff val="15000"/>
+                  </a:schemeClr>
+                </a:solidFill>
+              </a:rPr>
+              <a:t>september</a:t>
+            </a:r>
+            <a:r>
+              <a:rPr lang="en-US" sz="1600" dirty="0">
+                <a:solidFill>
+                  <a:schemeClr val="tx1">
+                    <a:lumMod val="85000"/>
+                    <a:lumOff val="15000"/>
+                  </a:schemeClr>
+                </a:solidFill>
+              </a:rPr>
+              <a:t> 2025</a:t>
             </a:r>
           </a:p>
         </p:txBody>
       </p:sp>
+      <p:pic>
+        <p:nvPicPr>
+          <p:cNvPr id="5" name="Picture 4" descr="Hands holding a bunch of houses&#10;&#10;AI-generated content may be incorrect.">
+            <a:extLst>
+              <a:ext uri="{FF2B5EF4-FFF2-40B4-BE49-F238E27FC236}">
+                <a16:creationId xmlns:a16="http://schemas.microsoft.com/office/drawing/2014/main" id="{F4D885FE-0997-B159-6D6D-06050B710D27}"/>
+              </a:ext>
+            </a:extLst>
+          </p:cNvPr>
+          <p:cNvPicPr>
+            <a:picLocks noChangeAspect="1"/>
+          </p:cNvPicPr>
+          <p:nvPr/>
+        </p:nvPicPr>
+        <p:blipFill>
+          <a:blip r:embed="rId2"/>
+          <a:srcRect l="20040"/>
+          <a:stretch>
+            <a:fillRect/>
+          </a:stretch>
+        </p:blipFill>
+        <p:spPr>
+          <a:xfrm>
+            <a:off x="4654296" y="10"/>
+            <a:ext cx="7537704" cy="6857990"/>
+          </a:xfrm>
+          <a:prstGeom prst="rect">
+            <a:avLst/>
+          </a:prstGeom>
+        </p:spPr>
+      </p:pic>
     </p:spTree>
     <p:extLst>
       <p:ext uri="{BB962C8B-B14F-4D97-AF65-F5344CB8AC3E}">
@@ -6810,7 +7339,7 @@
               <a:buNone/>
             </a:pPr>
             <a:r>
-              <a:rPr lang="en-DE" dirty="0"/>
+              <a:rPr lang="en-DE" u="sng" dirty="0"/>
               <a:t>QUESTIONS</a:t>
             </a:r>
           </a:p>
@@ -6824,7 +7353,7 @@
             </a:r>
             <a:r>
               <a:rPr lang="en-DE" dirty="0"/>
-              <a:t>hat are good types of properties for erin to invest in? to what extent do prices, the house condition and the season matter for erin’s socially responsible purposes?</a:t>
+              <a:t>hat are good types of properties for erin to invest in? to what extent do prices, property’s condition and season for buying/selling matter for erin’s socially responsible purposes?</a:t>
             </a:r>
           </a:p>
         </p:txBody>
@@ -6895,7 +7424,7 @@
           <p:cNvPr id="2" name="Title 1">
             <a:extLst>
               <a:ext uri="{FF2B5EF4-FFF2-40B4-BE49-F238E27FC236}">
-                <a16:creationId xmlns:a16="http://schemas.microsoft.com/office/drawing/2014/main" id="{D7A69F33-5F8E-D8A3-BDBC-21EE33EEF5F7}"/>
+                <a16:creationId xmlns:a16="http://schemas.microsoft.com/office/drawing/2014/main" id="{0797B4D9-F0F5-8EC6-B44F-60A85C072574}"/>
               </a:ext>
             </a:extLst>
           </p:cNvPr>
@@ -6906,14 +7435,19 @@
             <p:ph type="title"/>
           </p:nvPr>
         </p:nvSpPr>
-        <p:spPr/>
+        <p:spPr>
+          <a:xfrm>
+            <a:off x="2699627" y="964692"/>
+            <a:ext cx="6105342" cy="1188720"/>
+          </a:xfrm>
+        </p:spPr>
         <p:txBody>
           <a:bodyPr/>
           <a:lstStyle/>
           <a:p>
             <a:r>
               <a:rPr lang="en-DE" dirty="0"/>
-              <a:t>data set</a:t>
+              <a:t>DATA</a:t>
             </a:r>
           </a:p>
         </p:txBody>
@@ -6923,7 +7457,7 @@
           <p:cNvPr id="3" name="Content Placeholder 2">
             <a:extLst>
               <a:ext uri="{FF2B5EF4-FFF2-40B4-BE49-F238E27FC236}">
-                <a16:creationId xmlns:a16="http://schemas.microsoft.com/office/drawing/2014/main" id="{621F6533-01D8-CB15-7681-DD2F2C5D10A6}"/>
+                <a16:creationId xmlns:a16="http://schemas.microsoft.com/office/drawing/2014/main" id="{C3EB2136-EA1F-2338-0C00-AD9E2973EC21}"/>
               </a:ext>
             </a:extLst>
           </p:cNvPr>
@@ -6931,22 +7465,213 @@
             <a:spLocks noGrp="1"/>
           </p:cNvSpPr>
           <p:nvPr>
-            <p:ph idx="1"/>
+            <p:ph sz="half" idx="1"/>
           </p:nvPr>
         </p:nvSpPr>
         <p:spPr/>
         <p:txBody>
-          <a:bodyPr/>
+          <a:bodyPr>
+            <a:normAutofit/>
+          </a:bodyPr>
           <a:lstStyle/>
           <a:p>
-            <a:endParaRPr lang="en-DE" dirty="0"/>
+            <a:pPr marL="0" indent="0">
+              <a:buNone/>
+            </a:pPr>
+            <a:r>
+              <a:rPr lang="en-GB" sz="2000" u="sng" dirty="0"/>
+              <a:t>DATA SET</a:t>
+            </a:r>
+          </a:p>
+          <a:p>
+            <a:r>
+              <a:rPr lang="en-GB" sz="2000" dirty="0"/>
+              <a:t>k</a:t>
+            </a:r>
+            <a:r>
+              <a:rPr lang="en-DE" sz="2000" dirty="0"/>
+              <a:t>ing county house details &amp; king county house sales datasets merged</a:t>
+            </a:r>
+          </a:p>
+          <a:p>
+            <a:r>
+              <a:rPr lang="en-DE" sz="2000" dirty="0"/>
+              <a:t>21.420 properties listed</a:t>
+            </a:r>
+          </a:p>
+          <a:p>
+            <a:r>
+              <a:rPr lang="en-GB" sz="2000" dirty="0"/>
+              <a:t>c</a:t>
+            </a:r>
+            <a:r>
+              <a:rPr lang="en-DE" sz="2000" dirty="0"/>
+              <a:t>overing 05/2014-05/2015</a:t>
+            </a:r>
+          </a:p>
+          <a:p>
+            <a:r>
+              <a:rPr lang="en-GB" sz="2000" dirty="0"/>
+              <a:t>P</a:t>
+            </a:r>
+            <a:r>
+              <a:rPr lang="en-DE" sz="2000" dirty="0"/>
+              <a:t>roperty prices range $78K-7.7M</a:t>
+            </a:r>
+          </a:p>
+          <a:p>
+            <a:r>
+              <a:rPr lang="en-DE" sz="2000" dirty="0"/>
+              <a:t>20 original parameters</a:t>
+            </a:r>
           </a:p>
         </p:txBody>
       </p:sp>
+      <p:sp>
+        <p:nvSpPr>
+          <p:cNvPr id="4" name="Content Placeholder 3">
+            <a:extLst>
+              <a:ext uri="{FF2B5EF4-FFF2-40B4-BE49-F238E27FC236}">
+                <a16:creationId xmlns:a16="http://schemas.microsoft.com/office/drawing/2014/main" id="{A9E614C3-FF42-000D-812E-DCEC269D3F19}"/>
+              </a:ext>
+            </a:extLst>
+          </p:cNvPr>
+          <p:cNvSpPr>
+            <a:spLocks noGrp="1"/>
+          </p:cNvSpPr>
+          <p:nvPr>
+            <p:ph sz="half" idx="2"/>
+          </p:nvPr>
+        </p:nvSpPr>
+        <p:spPr/>
+        <p:txBody>
+          <a:bodyPr>
+            <a:noAutofit/>
+          </a:bodyPr>
+          <a:lstStyle/>
+          <a:p>
+            <a:pPr marL="0" indent="0">
+              <a:buNone/>
+            </a:pPr>
+            <a:r>
+              <a:rPr lang="en-DE" sz="2000" u="sng" dirty="0"/>
+              <a:t>PARAMETERS</a:t>
+            </a:r>
+          </a:p>
+          <a:p>
+            <a:r>
+              <a:rPr lang="en-GB" sz="2000" dirty="0"/>
+              <a:t>d</a:t>
+            </a:r>
+            <a:r>
+              <a:rPr lang="en-DE" sz="2000" dirty="0"/>
+              <a:t>ates: </a:t>
+            </a:r>
+            <a:r>
+              <a:rPr lang="en-DE" sz="2000" b="1" dirty="0"/>
+              <a:t>sold</a:t>
+            </a:r>
+            <a:r>
+              <a:rPr lang="en-DE" sz="2000" dirty="0"/>
+              <a:t>, </a:t>
+            </a:r>
+            <a:r>
+              <a:rPr lang="en-DE" sz="2000" b="1" dirty="0"/>
+              <a:t>built</a:t>
+            </a:r>
+            <a:r>
+              <a:rPr lang="en-DE" sz="2000" dirty="0"/>
+              <a:t>, renovated</a:t>
+            </a:r>
+          </a:p>
+          <a:p>
+            <a:r>
+              <a:rPr lang="en-GB" sz="2000" b="1" dirty="0"/>
+              <a:t>p</a:t>
+            </a:r>
+            <a:r>
+              <a:rPr lang="en-DE" sz="2000" b="1" dirty="0"/>
+              <a:t>rice</a:t>
+            </a:r>
+          </a:p>
+          <a:p>
+            <a:r>
+              <a:rPr lang="en-GB" sz="2000" dirty="0"/>
+              <a:t>s</a:t>
+            </a:r>
+            <a:r>
+              <a:rPr lang="en-DE" sz="2000" dirty="0"/>
+              <a:t>ize: br#, sqft living/lot/above/basement</a:t>
+            </a:r>
+          </a:p>
+          <a:p>
+            <a:r>
+              <a:rPr lang="en-GB" sz="2000" dirty="0"/>
+              <a:t>l</a:t>
+            </a:r>
+            <a:r>
+              <a:rPr lang="en-DE" sz="2000" dirty="0"/>
+              <a:t>ocation: waterfront, view, zipcode, </a:t>
+            </a:r>
+            <a:r>
+              <a:rPr lang="en-DE" sz="2000" b="1" dirty="0"/>
+              <a:t>coordinates</a:t>
+            </a:r>
+          </a:p>
+          <a:p>
+            <a:r>
+              <a:rPr lang="en-GB" sz="2000" dirty="0"/>
+              <a:t>quality: </a:t>
+            </a:r>
+            <a:r>
+              <a:rPr lang="en-GB" sz="2000" b="1" dirty="0"/>
+              <a:t>c</a:t>
+            </a:r>
+            <a:r>
+              <a:rPr lang="en-DE" sz="2000" b="1" dirty="0"/>
+              <a:t>ondition</a:t>
+            </a:r>
+            <a:r>
+              <a:rPr lang="en-DE" sz="2000" dirty="0"/>
+              <a:t>, grade</a:t>
+            </a:r>
+          </a:p>
+        </p:txBody>
+      </p:sp>
+      <p:pic>
+        <p:nvPicPr>
+          <p:cNvPr id="8" name="Picture 7" descr="A map of the state of washington&#10;&#10;AI-generated content may be incorrect.">
+            <a:extLst>
+              <a:ext uri="{FF2B5EF4-FFF2-40B4-BE49-F238E27FC236}">
+                <a16:creationId xmlns:a16="http://schemas.microsoft.com/office/drawing/2014/main" id="{185295AA-8C37-975C-6948-9358F429B892}"/>
+              </a:ext>
+            </a:extLst>
+          </p:cNvPr>
+          <p:cNvPicPr>
+            <a:picLocks noChangeAspect="1"/>
+          </p:cNvPicPr>
+          <p:nvPr/>
+        </p:nvPicPr>
+        <p:blipFill>
+          <a:blip r:embed="rId2"/>
+          <a:stretch>
+            <a:fillRect/>
+          </a:stretch>
+        </p:blipFill>
+        <p:spPr>
+          <a:xfrm>
+            <a:off x="9003711" y="725076"/>
+            <a:ext cx="2835916" cy="1744704"/>
+          </a:xfrm>
+          <a:prstGeom prst="rect">
+            <a:avLst/>
+          </a:prstGeom>
+        </p:spPr>
+      </p:pic>
     </p:spTree>
     <p:extLst>
       <p:ext uri="{BB962C8B-B14F-4D97-AF65-F5344CB8AC3E}">
-        <p14:creationId xmlns:p14="http://schemas.microsoft.com/office/powerpoint/2010/main" val="3491120348"/>
+        <p14:creationId xmlns:p14="http://schemas.microsoft.com/office/powerpoint/2010/main" val="3138668588"/>
       </p:ext>
     </p:extLst>
   </p:cSld>
@@ -6959,6 +7684,14 @@
 <file path=ppt/slides/slide4.xml><?xml version="1.0" encoding="utf-8"?>
 <p:sld xmlns:a="http://schemas.openxmlformats.org/drawingml/2006/main" xmlns:r="http://schemas.openxmlformats.org/officeDocument/2006/relationships" xmlns:p="http://schemas.openxmlformats.org/presentationml/2006/main">
   <p:cSld>
+    <p:bg>
+      <p:bgPr>
+        <a:solidFill>
+          <a:schemeClr val="bg1"/>
+        </a:solidFill>
+        <a:effectLst/>
+      </p:bgPr>
+    </p:bg>
     <p:spTree>
       <p:nvGrpSpPr>
         <p:cNvPr id="1" name=""/>
@@ -6973,6 +7706,39 @@
           <a:chExt cx="0" cy="0"/>
         </a:xfrm>
       </p:grpSpPr>
+      <p:pic>
+        <p:nvPicPr>
+          <p:cNvPr id="5" name="Picture 4" descr="A magnifying glass with words&#10;&#10;AI-generated content may be incorrect.">
+            <a:extLst>
+              <a:ext uri="{FF2B5EF4-FFF2-40B4-BE49-F238E27FC236}">
+                <a16:creationId xmlns:a16="http://schemas.microsoft.com/office/drawing/2014/main" id="{A9BC580C-0FFA-B624-0307-3CF8257FBE2A}"/>
+              </a:ext>
+            </a:extLst>
+          </p:cNvPr>
+          <p:cNvPicPr>
+            <a:picLocks noChangeAspect="1"/>
+          </p:cNvPicPr>
+          <p:nvPr/>
+        </p:nvPicPr>
+        <p:blipFill>
+          <a:blip r:embed="rId2">
+            <a:alphaModFix amt="40000"/>
+          </a:blip>
+          <a:srcRect/>
+          <a:stretch>
+            <a:fillRect/>
+          </a:stretch>
+        </p:blipFill>
+        <p:spPr>
+          <a:xfrm>
+            <a:off x="20" y="10"/>
+            <a:ext cx="12191980" cy="6857990"/>
+          </a:xfrm>
+          <a:prstGeom prst="rect">
+            <a:avLst/>
+          </a:prstGeom>
+        </p:spPr>
+      </p:pic>
       <p:sp>
         <p:nvSpPr>
           <p:cNvPr id="2" name="Title 1">
@@ -6989,13 +7755,30 @@
             <p:ph type="title"/>
           </p:nvPr>
         </p:nvSpPr>
-        <p:spPr/>
+        <p:spPr>
+          <a:xfrm>
+            <a:off x="2231136" y="964692"/>
+            <a:ext cx="7729728" cy="1188720"/>
+          </a:xfrm>
+          <a:noFill/>
+          <a:ln>
+            <a:solidFill>
+              <a:schemeClr val="tx1"/>
+            </a:solidFill>
+          </a:ln>
+        </p:spPr>
         <p:txBody>
-          <a:bodyPr/>
+          <a:bodyPr>
+            <a:normAutofit/>
+          </a:bodyPr>
           <a:lstStyle/>
           <a:p>
             <a:r>
-              <a:rPr lang="en-DE" dirty="0"/>
+              <a:rPr lang="en-DE">
+                <a:solidFill>
+                  <a:schemeClr val="tx1"/>
+                </a:solidFill>
+              </a:rPr>
               <a:t>hypotheses</a:t>
             </a:r>
           </a:p>
@@ -7017,32 +7800,45 @@
             <p:ph idx="1"/>
           </p:nvPr>
         </p:nvSpPr>
-        <p:spPr/>
+        <p:spPr>
+          <a:xfrm>
+            <a:off x="2231136" y="2638044"/>
+            <a:ext cx="7729728" cy="3101983"/>
+          </a:xfrm>
+        </p:spPr>
         <p:txBody>
-          <a:bodyPr/>
+          <a:bodyPr>
+            <a:normAutofit/>
+          </a:bodyPr>
           <a:lstStyle/>
           <a:p>
-            <a:r>
-              <a:rPr lang="en-GB" dirty="0"/>
+            <a:pPr marL="0" indent="0">
+              <a:buNone/>
+            </a:pPr>
+            <a:endParaRPr lang="en-GB" sz="2000" dirty="0"/>
+          </a:p>
+          <a:p>
+            <a:r>
+              <a:rPr lang="en-GB" sz="2000" dirty="0"/>
               <a:t>p</a:t>
             </a:r>
             <a:r>
-              <a:rPr lang="en-DE" dirty="0"/>
+              <a:rPr lang="en-DE" sz="2000" dirty="0"/>
               <a:t>roperties sold below median price are located further away from the city center</a:t>
             </a:r>
           </a:p>
           <a:p>
             <a:r>
-              <a:rPr lang="en-GB" dirty="0"/>
-              <a:t>properties built before 1990 and in poor condition have a 10% lower median price</a:t>
-            </a:r>
-          </a:p>
-          <a:p>
-            <a:r>
-              <a:rPr lang="en-GB" dirty="0"/>
-              <a:t>properties sold during the winter season have a median price at least 10% lower</a:t>
-            </a:r>
-            <a:endParaRPr lang="en-DE" dirty="0"/>
+              <a:rPr lang="en-GB" sz="2000" dirty="0"/>
+              <a:t>properties built before 1990 and in poor condition have a 10% lower median price compared to other properties</a:t>
+            </a:r>
+          </a:p>
+          <a:p>
+            <a:r>
+              <a:rPr lang="en-GB" sz="2000" dirty="0"/>
+              <a:t>properties sold during the winter season have a median price at least 10% lower compared to other properties</a:t>
+            </a:r>
+            <a:endParaRPr lang="en-DE" sz="2000" dirty="0"/>
           </a:p>
         </p:txBody>
       </p:sp>
@@ -7116,7 +7912,14 @@
           <a:p>
             <a:r>
               <a:rPr lang="en-DE" sz="2000" dirty="0"/>
-              <a:t>Distance to city center matters</a:t>
+              <a:t>Distance to </a:t>
+            </a:r>
+            <a:br>
+              <a:rPr lang="en-DE" sz="2000" dirty="0"/>
+            </a:br>
+            <a:r>
+              <a:rPr lang="en-DE" sz="2000" dirty="0"/>
+              <a:t>city center</a:t>
             </a:r>
           </a:p>
         </p:txBody>
@@ -7139,8 +7942,8 @@
         </p:nvSpPr>
         <p:spPr>
           <a:xfrm>
-            <a:off x="804670" y="2261937"/>
-            <a:ext cx="3044952" cy="4226327"/>
+            <a:off x="804670" y="2540618"/>
+            <a:ext cx="3044952" cy="4018581"/>
           </a:xfrm>
         </p:spPr>
         <p:txBody>
@@ -7153,14 +7956,14 @@
               <a:buNone/>
             </a:pPr>
             <a:r>
-              <a:rPr lang="de-DE" sz="1300" dirty="0"/>
+              <a:rPr lang="de-DE" sz="1300" u="sng" dirty="0"/>
               <a:t>FINDING</a:t>
             </a:r>
           </a:p>
           <a:p>
             <a:r>
               <a:rPr lang="de-DE" sz="1300" dirty="0" err="1"/>
-              <a:t>typical</a:t>
+              <a:t>properties</a:t>
             </a:r>
             <a:r>
               <a:rPr lang="de-DE" sz="1300" dirty="0"/>
@@ -7168,15 +7971,35 @@
             </a:r>
             <a:r>
               <a:rPr lang="de-DE" sz="1300" dirty="0" err="1"/>
-              <a:t>distance</a:t>
+              <a:t>sold</a:t>
             </a:r>
             <a:r>
               <a:rPr lang="de-DE" sz="1300" dirty="0"/>
               <a:t> </a:t>
             </a:r>
             <a:r>
+              <a:rPr lang="de-DE" sz="1300" b="1" dirty="0" err="1"/>
+              <a:t>below</a:t>
+            </a:r>
+            <a:r>
+              <a:rPr lang="de-DE" sz="1300" b="1" dirty="0"/>
+              <a:t> median </a:t>
+            </a:r>
+            <a:r>
+              <a:rPr lang="de-DE" sz="1300" b="1" dirty="0" err="1"/>
+              <a:t>price</a:t>
+            </a:r>
+            <a:r>
+              <a:rPr lang="de-DE" sz="1300" b="1" dirty="0"/>
+              <a:t> </a:t>
+            </a:r>
+            <a:r>
+              <a:rPr lang="de-DE" sz="1300" dirty="0"/>
+              <a:t>(</a:t>
+            </a:r>
+            <a:r>
               <a:rPr lang="de-DE" sz="1300" dirty="0" err="1"/>
-              <a:t>of</a:t>
+              <a:t>red</a:t>
             </a:r>
             <a:r>
               <a:rPr lang="de-DE" sz="1300" dirty="0"/>
@@ -7184,7 +8007,15 @@
             </a:r>
             <a:r>
               <a:rPr lang="de-DE" sz="1300" dirty="0" err="1"/>
-              <a:t>properties</a:t>
+              <a:t>dots</a:t>
+            </a:r>
+            <a:r>
+              <a:rPr lang="de-DE" sz="1300" dirty="0"/>
+              <a:t>) </a:t>
+            </a:r>
+            <a:r>
+              <a:rPr lang="de-DE" sz="1300" dirty="0" err="1"/>
+              <a:t>are</a:t>
             </a:r>
             <a:r>
               <a:rPr lang="de-DE" sz="1300" dirty="0"/>
@@ -7192,19 +8023,199 @@
             </a:r>
             <a:r>
               <a:rPr lang="de-DE" sz="1300" dirty="0" err="1"/>
-              <a:t>sold</a:t>
+              <a:t>typically</a:t>
             </a:r>
             <a:r>
               <a:rPr lang="de-DE" sz="1300" dirty="0"/>
               <a:t> </a:t>
             </a:r>
             <a:r>
+              <a:rPr lang="de-DE" sz="1300" b="1" dirty="0"/>
+              <a:t>19.5 km</a:t>
+            </a:r>
+            <a:r>
+              <a:rPr lang="de-DE" sz="1300" dirty="0"/>
+              <a:t> </a:t>
+            </a:r>
+            <a:r>
               <a:rPr lang="de-DE" sz="1300" dirty="0" err="1"/>
-              <a:t>under</a:t>
+              <a:t>away</a:t>
             </a:r>
             <a:r>
               <a:rPr lang="de-DE" sz="1300" dirty="0"/>
+              <a:t> </a:t>
+            </a:r>
+            <a:r>
+              <a:rPr lang="de-DE" sz="1300" dirty="0" err="1"/>
+              <a:t>from</a:t>
+            </a:r>
+            <a:r>
+              <a:rPr lang="de-DE" sz="1300" dirty="0"/>
+              <a:t> </a:t>
+            </a:r>
+            <a:r>
+              <a:rPr lang="de-DE" sz="1300" dirty="0" err="1"/>
+              <a:t>city</a:t>
+            </a:r>
+            <a:r>
+              <a:rPr lang="de-DE" sz="1300" dirty="0"/>
+              <a:t> </a:t>
+            </a:r>
+            <a:r>
+              <a:rPr lang="de-DE" sz="1300" dirty="0" err="1"/>
+              <a:t>center</a:t>
+            </a:r>
+            <a:r>
+              <a:rPr lang="de-DE" sz="1300" dirty="0"/>
+              <a:t> (</a:t>
+            </a:r>
+            <a:r>
+              <a:rPr lang="de-DE" sz="1300" dirty="0" err="1"/>
+              <a:t>red</a:t>
+            </a:r>
+            <a:r>
+              <a:rPr lang="de-DE" sz="1300" dirty="0"/>
+              <a:t> </a:t>
+            </a:r>
+            <a:r>
+              <a:rPr lang="de-DE" sz="1300" dirty="0" err="1"/>
+              <a:t>circle</a:t>
+            </a:r>
+            <a:r>
+              <a:rPr lang="de-DE" sz="1300" dirty="0"/>
+              <a:t>)</a:t>
+            </a:r>
+          </a:p>
+          <a:p>
+            <a:r>
+              <a:rPr lang="de-DE" sz="1300" dirty="0" err="1"/>
+              <a:t>properties</a:t>
+            </a:r>
+            <a:r>
+              <a:rPr lang="de-DE" sz="1300" dirty="0"/>
+              <a:t> </a:t>
+            </a:r>
+            <a:r>
+              <a:rPr lang="de-DE" sz="1300" dirty="0" err="1"/>
+              <a:t>sold</a:t>
+            </a:r>
+            <a:r>
+              <a:rPr lang="de-DE" sz="1300" dirty="0"/>
+              <a:t> </a:t>
+            </a:r>
+            <a:r>
+              <a:rPr lang="de-DE" sz="1300" b="1" dirty="0" err="1"/>
+              <a:t>above</a:t>
+            </a:r>
+            <a:r>
+              <a:rPr lang="de-DE" sz="1300" b="1" dirty="0"/>
               <a:t> median </a:t>
+            </a:r>
+            <a:r>
+              <a:rPr lang="de-DE" sz="1300" b="1" dirty="0" err="1"/>
+              <a:t>price</a:t>
+            </a:r>
+            <a:r>
+              <a:rPr lang="de-DE" sz="1300" b="1" dirty="0"/>
+              <a:t> </a:t>
+            </a:r>
+            <a:r>
+              <a:rPr lang="de-DE" sz="1300" dirty="0"/>
+              <a:t>(</a:t>
+            </a:r>
+            <a:r>
+              <a:rPr lang="de-DE" sz="1300" dirty="0" err="1"/>
+              <a:t>blue</a:t>
+            </a:r>
+            <a:r>
+              <a:rPr lang="de-DE" sz="1300" dirty="0"/>
+              <a:t> </a:t>
+            </a:r>
+            <a:r>
+              <a:rPr lang="de-DE" sz="1300" dirty="0" err="1"/>
+              <a:t>dots</a:t>
+            </a:r>
+            <a:r>
+              <a:rPr lang="de-DE" sz="1300" dirty="0"/>
+              <a:t>) </a:t>
+            </a:r>
+            <a:r>
+              <a:rPr lang="de-DE" sz="1300" dirty="0" err="1"/>
+              <a:t>are</a:t>
+            </a:r>
+            <a:r>
+              <a:rPr lang="de-DE" sz="1300" dirty="0"/>
+              <a:t> </a:t>
+            </a:r>
+            <a:r>
+              <a:rPr lang="de-DE" sz="1300" dirty="0" err="1"/>
+              <a:t>typically</a:t>
+            </a:r>
+            <a:r>
+              <a:rPr lang="de-DE" sz="1300" dirty="0"/>
+              <a:t> </a:t>
+            </a:r>
+            <a:r>
+              <a:rPr lang="de-DE" sz="1300" b="1" dirty="0"/>
+              <a:t>14 km </a:t>
+            </a:r>
+            <a:r>
+              <a:rPr lang="de-DE" sz="1300" dirty="0" err="1"/>
+              <a:t>away</a:t>
+            </a:r>
+            <a:r>
+              <a:rPr lang="de-DE" sz="1300" dirty="0"/>
+              <a:t> </a:t>
+            </a:r>
+            <a:r>
+              <a:rPr lang="de-DE" sz="1300" dirty="0" err="1"/>
+              <a:t>from</a:t>
+            </a:r>
+            <a:r>
+              <a:rPr lang="de-DE" sz="1300" dirty="0"/>
+              <a:t> </a:t>
+            </a:r>
+            <a:r>
+              <a:rPr lang="de-DE" sz="1300" dirty="0" err="1"/>
+              <a:t>city</a:t>
+            </a:r>
+            <a:r>
+              <a:rPr lang="de-DE" sz="1300" dirty="0"/>
+              <a:t> </a:t>
+            </a:r>
+            <a:r>
+              <a:rPr lang="de-DE" sz="1300" dirty="0" err="1"/>
+              <a:t>center</a:t>
+            </a:r>
+            <a:r>
+              <a:rPr lang="de-DE" sz="1300" dirty="0"/>
+              <a:t> (</a:t>
+            </a:r>
+            <a:r>
+              <a:rPr lang="de-DE" sz="1300" dirty="0" err="1"/>
+              <a:t>blue</a:t>
+            </a:r>
+            <a:r>
+              <a:rPr lang="de-DE" sz="1300" dirty="0"/>
+              <a:t> </a:t>
+            </a:r>
+            <a:r>
+              <a:rPr lang="de-DE" sz="1300" dirty="0" err="1"/>
+              <a:t>circle</a:t>
+            </a:r>
+            <a:r>
+              <a:rPr lang="de-DE" sz="1300" dirty="0"/>
+              <a:t>)</a:t>
+            </a:r>
+          </a:p>
+          <a:p>
+            <a:r>
+              <a:rPr lang="de-DE" sz="1300" dirty="0" err="1"/>
+              <a:t>property</a:t>
+            </a:r>
+            <a:r>
+              <a:rPr lang="de-DE" sz="1300" dirty="0"/>
+              <a:t> </a:t>
             </a:r>
             <a:r>
               <a:rPr lang="de-DE" sz="1300" dirty="0" err="1"/>
@@ -7212,11 +8223,11 @@
             </a:r>
             <a:r>
               <a:rPr lang="de-DE" sz="1300" dirty="0"/>
-              <a:t> = 19,5 km (</a:t>
+              <a:t> </a:t>
             </a:r>
             <a:r>
               <a:rPr lang="de-DE" sz="1300" dirty="0" err="1"/>
-              <a:t>red</a:t>
+              <a:t>decreases</a:t>
             </a:r>
             <a:r>
               <a:rPr lang="de-DE" sz="1300" dirty="0"/>
@@ -7224,173 +8235,92 @@
             </a:r>
             <a:r>
               <a:rPr lang="de-DE" sz="1300" dirty="0" err="1"/>
-              <a:t>circle</a:t>
+              <a:t>as</a:t>
+            </a:r>
+            <a:r>
+              <a:rPr lang="de-DE" sz="1300" dirty="0"/>
+              <a:t> </a:t>
+            </a:r>
+            <a:r>
+              <a:rPr lang="de-DE" sz="1300" dirty="0" err="1"/>
+              <a:t>we</a:t>
+            </a:r>
+            <a:r>
+              <a:rPr lang="de-DE" sz="1300" dirty="0"/>
+              <a:t> </a:t>
+            </a:r>
+            <a:r>
+              <a:rPr lang="de-DE" sz="1300" dirty="0" err="1"/>
+              <a:t>move</a:t>
+            </a:r>
+            <a:r>
+              <a:rPr lang="de-DE" sz="1300" dirty="0"/>
+              <a:t> </a:t>
+            </a:r>
+            <a:r>
+              <a:rPr lang="de-DE" sz="1300" dirty="0" err="1"/>
+              <a:t>away</a:t>
+            </a:r>
+            <a:r>
+              <a:rPr lang="de-DE" sz="1300" dirty="0"/>
+              <a:t> </a:t>
+            </a:r>
+            <a:r>
+              <a:rPr lang="de-DE" sz="1300" dirty="0" err="1"/>
+              <a:t>from</a:t>
+            </a:r>
+            <a:r>
+              <a:rPr lang="de-DE" sz="1300" dirty="0"/>
+              <a:t> </a:t>
+            </a:r>
+            <a:r>
+              <a:rPr lang="de-DE" sz="1300" dirty="0" err="1"/>
+              <a:t>city</a:t>
+            </a:r>
+            <a:r>
+              <a:rPr lang="de-DE" sz="1300" dirty="0"/>
+              <a:t> </a:t>
+            </a:r>
+            <a:r>
+              <a:rPr lang="de-DE" sz="1300" dirty="0" err="1"/>
+              <a:t>center</a:t>
+            </a:r>
+            <a:r>
+              <a:rPr lang="de-DE" sz="1300" dirty="0"/>
+              <a:t> (</a:t>
+            </a:r>
+            <a:r>
+              <a:rPr lang="de-DE" sz="1300" dirty="0" err="1"/>
+              <a:t>r</a:t>
+            </a:r>
+            <a:r>
+              <a:rPr lang="de-DE" sz="1300" dirty="0"/>
+              <a:t> = -0.28, </a:t>
+            </a:r>
+            <a:r>
+              <a:rPr lang="de-DE" sz="1300" dirty="0" err="1"/>
+              <a:t>indicating</a:t>
+            </a:r>
+            <a:r>
+              <a:rPr lang="de-DE" sz="1300" dirty="0"/>
+              <a:t> </a:t>
+            </a:r>
+            <a:r>
+              <a:rPr lang="de-DE" sz="1300" dirty="0" err="1"/>
+              <a:t>weak</a:t>
+            </a:r>
+            <a:r>
+              <a:rPr lang="de-DE" sz="1300" dirty="0"/>
+              <a:t> </a:t>
+            </a:r>
+            <a:r>
+              <a:rPr lang="de-DE" sz="1300" dirty="0" err="1"/>
+              <a:t>correlation</a:t>
             </a:r>
             <a:r>
               <a:rPr lang="de-DE" sz="1300" dirty="0"/>
               <a:t>)</a:t>
             </a:r>
-          </a:p>
-          <a:p>
-            <a:r>
-              <a:rPr lang="de-DE" sz="1300" dirty="0" err="1"/>
-              <a:t>typical</a:t>
-            </a:r>
-            <a:r>
-              <a:rPr lang="de-DE" sz="1300" dirty="0"/>
-              <a:t> </a:t>
-            </a:r>
-            <a:r>
-              <a:rPr lang="de-DE" sz="1300" dirty="0" err="1"/>
-              <a:t>distance</a:t>
-            </a:r>
-            <a:r>
-              <a:rPr lang="de-DE" sz="1300" dirty="0"/>
-              <a:t> </a:t>
-            </a:r>
-            <a:r>
-              <a:rPr lang="de-DE" sz="1300" dirty="0" err="1"/>
-              <a:t>of</a:t>
-            </a:r>
-            <a:r>
-              <a:rPr lang="de-DE" sz="1300" dirty="0"/>
-              <a:t> </a:t>
-            </a:r>
-            <a:r>
-              <a:rPr lang="de-DE" sz="1300" dirty="0" err="1"/>
-              <a:t>properties</a:t>
-            </a:r>
-            <a:r>
-              <a:rPr lang="de-DE" sz="1300" dirty="0"/>
-              <a:t> </a:t>
-            </a:r>
-            <a:r>
-              <a:rPr lang="de-DE" sz="1300" dirty="0" err="1"/>
-              <a:t>sold</a:t>
-            </a:r>
-            <a:r>
-              <a:rPr lang="de-DE" sz="1300" dirty="0"/>
-              <a:t> </a:t>
-            </a:r>
-            <a:r>
-              <a:rPr lang="de-DE" sz="1300" dirty="0" err="1"/>
-              <a:t>above</a:t>
-            </a:r>
-            <a:r>
-              <a:rPr lang="de-DE" sz="1300" dirty="0"/>
-              <a:t> median </a:t>
-            </a:r>
-            <a:r>
-              <a:rPr lang="de-DE" sz="1300" dirty="0" err="1"/>
-              <a:t>price</a:t>
-            </a:r>
-            <a:r>
-              <a:rPr lang="de-DE" sz="1300" dirty="0"/>
-              <a:t> = 14 km (</a:t>
-            </a:r>
-            <a:r>
-              <a:rPr lang="de-DE" sz="1300" dirty="0" err="1"/>
-              <a:t>blue</a:t>
-            </a:r>
-            <a:r>
-              <a:rPr lang="de-DE" sz="1300" dirty="0"/>
-              <a:t> </a:t>
-            </a:r>
-            <a:r>
-              <a:rPr lang="de-DE" sz="1300" dirty="0" err="1"/>
-              <a:t>circle</a:t>
-            </a:r>
-            <a:r>
-              <a:rPr lang="de-DE" sz="1300" dirty="0"/>
-              <a:t>)</a:t>
-            </a:r>
-          </a:p>
-          <a:p>
-            <a:r>
-              <a:rPr lang="de-DE" sz="1300" dirty="0" err="1"/>
-              <a:t>property</a:t>
-            </a:r>
-            <a:r>
-              <a:rPr lang="de-DE" sz="1300" dirty="0"/>
-              <a:t> </a:t>
-            </a:r>
-            <a:r>
-              <a:rPr lang="de-DE" sz="1300" dirty="0" err="1"/>
-              <a:t>price</a:t>
-            </a:r>
-            <a:r>
-              <a:rPr lang="de-DE" sz="1300" dirty="0"/>
-              <a:t> </a:t>
-            </a:r>
-            <a:r>
-              <a:rPr lang="de-DE" sz="1300" dirty="0" err="1"/>
-              <a:t>decreases</a:t>
-            </a:r>
-            <a:r>
-              <a:rPr lang="de-DE" sz="1300" dirty="0"/>
-              <a:t> </a:t>
-            </a:r>
-            <a:r>
-              <a:rPr lang="de-DE" sz="1300" dirty="0" err="1"/>
-              <a:t>slightly</a:t>
-            </a:r>
-            <a:r>
-              <a:rPr lang="de-DE" sz="1300" dirty="0"/>
-              <a:t> </a:t>
-            </a:r>
-            <a:r>
-              <a:rPr lang="de-DE" sz="1300" dirty="0" err="1"/>
-              <a:t>as</a:t>
-            </a:r>
-            <a:r>
-              <a:rPr lang="de-DE" sz="1300" dirty="0"/>
-              <a:t> </a:t>
-            </a:r>
-            <a:r>
-              <a:rPr lang="de-DE" sz="1300" dirty="0" err="1"/>
-              <a:t>we</a:t>
-            </a:r>
-            <a:r>
-              <a:rPr lang="de-DE" sz="1300" dirty="0"/>
-              <a:t> </a:t>
-            </a:r>
-            <a:r>
-              <a:rPr lang="de-DE" sz="1300" dirty="0" err="1"/>
-              <a:t>move</a:t>
-            </a:r>
-            <a:r>
-              <a:rPr lang="de-DE" sz="1300" dirty="0"/>
-              <a:t> </a:t>
-            </a:r>
-            <a:r>
-              <a:rPr lang="de-DE" sz="1300" dirty="0" err="1"/>
-              <a:t>away</a:t>
-            </a:r>
-            <a:r>
-              <a:rPr lang="de-DE" sz="1300" dirty="0"/>
-              <a:t> </a:t>
-            </a:r>
-            <a:r>
-              <a:rPr lang="de-DE" sz="1300" dirty="0" err="1"/>
-              <a:t>from</a:t>
-            </a:r>
-            <a:r>
-              <a:rPr lang="de-DE" sz="1300" dirty="0"/>
-              <a:t> </a:t>
-            </a:r>
-            <a:r>
-              <a:rPr lang="de-DE" sz="1300" dirty="0" err="1"/>
-              <a:t>city</a:t>
-            </a:r>
-            <a:r>
-              <a:rPr lang="de-DE" sz="1300" dirty="0"/>
-              <a:t> </a:t>
-            </a:r>
-            <a:r>
-              <a:rPr lang="de-DE" sz="1300" dirty="0" err="1"/>
-              <a:t>center</a:t>
-            </a:r>
-            <a:endParaRPr lang="de-DE" sz="1300" dirty="0"/>
           </a:p>
           <a:p>
             <a:pPr marL="0" indent="0">
@@ -7403,22 +8333,22 @@
               <a:buNone/>
             </a:pPr>
             <a:r>
+              <a:rPr lang="de-DE" sz="1300" u="sng" dirty="0"/>
+              <a:t>RECOMMENDATION</a:t>
+            </a:r>
+          </a:p>
+          <a:p>
+            <a:r>
+              <a:rPr lang="de-DE" sz="1300" dirty="0" err="1"/>
+              <a:t>inconclusive</a:t>
+            </a:r>
+            <a:r>
               <a:rPr lang="de-DE" sz="1300" dirty="0"/>
-              <a:t>RECOMMENDATION</a:t>
-            </a:r>
-          </a:p>
-          <a:p>
+              <a:t> - </a:t>
+            </a:r>
             <a:r>
               <a:rPr lang="de-DE" sz="1300" dirty="0" err="1"/>
-              <a:t>generally</a:t>
-            </a:r>
-            <a:r>
-              <a:rPr lang="de-DE" sz="1300" dirty="0"/>
-              <a:t>, </a:t>
-            </a:r>
-            <a:r>
-              <a:rPr lang="de-DE" sz="1300" dirty="0" err="1"/>
-              <a:t>properties</a:t>
+              <a:t>further</a:t>
             </a:r>
             <a:r>
               <a:rPr lang="de-DE" sz="1300" dirty="0"/>
@@ -7426,7 +8356,7 @@
             </a:r>
             <a:r>
               <a:rPr lang="de-DE" sz="1300" dirty="0" err="1"/>
-              <a:t>further</a:t>
+              <a:t>analysis</a:t>
             </a:r>
             <a:r>
               <a:rPr lang="de-DE" sz="1300" dirty="0"/>
@@ -7434,7 +8364,7 @@
             </a:r>
             <a:r>
               <a:rPr lang="de-DE" sz="1300" dirty="0" err="1"/>
-              <a:t>away</a:t>
+              <a:t>needed</a:t>
             </a:r>
             <a:r>
               <a:rPr lang="de-DE" sz="1300" dirty="0"/>
@@ -7442,7 +8372,7 @@
             </a:r>
             <a:r>
               <a:rPr lang="de-DE" sz="1300" dirty="0" err="1"/>
-              <a:t>from</a:t>
+              <a:t>to</a:t>
             </a:r>
             <a:r>
               <a:rPr lang="de-DE" sz="1300" dirty="0"/>
@@ -7450,7 +8380,7 @@
             </a:r>
             <a:r>
               <a:rPr lang="de-DE" sz="1300" dirty="0" err="1"/>
-              <a:t>the</a:t>
+              <a:t>investigate</a:t>
             </a:r>
             <a:r>
               <a:rPr lang="de-DE" sz="1300" dirty="0"/>
@@ -7458,7 +8388,7 @@
             </a:r>
             <a:r>
               <a:rPr lang="de-DE" sz="1300" dirty="0" err="1"/>
-              <a:t>city</a:t>
+              <a:t>whether</a:t>
             </a:r>
             <a:r>
               <a:rPr lang="de-DE" sz="1300" dirty="0"/>
@@ -7466,7 +8396,7 @@
             </a:r>
             <a:r>
               <a:rPr lang="de-DE" sz="1300" dirty="0" err="1"/>
-              <a:t>center</a:t>
+              <a:t>distance</a:t>
             </a:r>
             <a:r>
               <a:rPr lang="de-DE" sz="1300" dirty="0"/>
@@ -7474,7 +8404,15 @@
             </a:r>
             <a:r>
               <a:rPr lang="de-DE" sz="1300" dirty="0" err="1"/>
-              <a:t>are</a:t>
+              <a:t>makes</a:t>
+            </a:r>
+            <a:r>
+              <a:rPr lang="de-DE" sz="1300" dirty="0"/>
+              <a:t> a </a:t>
+            </a:r>
+            <a:r>
+              <a:rPr lang="de-DE" sz="1300" dirty="0" err="1"/>
+              <a:t>significant</a:t>
             </a:r>
             <a:r>
               <a:rPr lang="de-DE" sz="1300" dirty="0"/>
@@ -7482,47 +8420,11 @@
             </a:r>
             <a:r>
               <a:rPr lang="de-DE" sz="1300" dirty="0" err="1"/>
-              <a:t>more</a:t>
+              <a:t>difference</a:t>
             </a:r>
             <a:r>
               <a:rPr lang="de-DE" sz="1300" dirty="0"/>
-              <a:t> </a:t>
-            </a:r>
-            <a:r>
-              <a:rPr lang="de-DE" sz="1300" dirty="0" err="1"/>
-              <a:t>suitable</a:t>
-            </a:r>
-            <a:r>
-              <a:rPr lang="de-DE" sz="1300" dirty="0"/>
-              <a:t> </a:t>
-            </a:r>
-            <a:r>
-              <a:rPr lang="de-DE" sz="1300" dirty="0" err="1"/>
-              <a:t>for</a:t>
-            </a:r>
-            <a:r>
-              <a:rPr lang="de-DE" sz="1300" dirty="0"/>
-              <a:t> </a:t>
-            </a:r>
-            <a:r>
-              <a:rPr lang="de-DE" sz="1300" dirty="0" err="1"/>
-              <a:t>socially</a:t>
-            </a:r>
-            <a:r>
-              <a:rPr lang="de-DE" sz="1300" dirty="0"/>
-              <a:t> </a:t>
-            </a:r>
-            <a:r>
-              <a:rPr lang="de-DE" sz="1300" dirty="0" err="1"/>
-              <a:t>responsible</a:t>
-            </a:r>
-            <a:r>
-              <a:rPr lang="de-DE" sz="1300" dirty="0"/>
-              <a:t> </a:t>
-            </a:r>
-            <a:r>
-              <a:rPr lang="de-DE" sz="1300" dirty="0" err="1"/>
-              <a:t>investment</a:t>
+              <a:t> at all</a:t>
             </a:r>
             <a:endParaRPr lang="en-DE" sz="1300" dirty="0"/>
           </a:p>
@@ -7604,7 +8506,7 @@
           <p:cNvPr id="2" name="Title 1">
             <a:extLst>
               <a:ext uri="{FF2B5EF4-FFF2-40B4-BE49-F238E27FC236}">
-                <a16:creationId xmlns:a16="http://schemas.microsoft.com/office/drawing/2014/main" id="{58B305E2-CF18-DE19-A25B-7AB6417C5DFB}"/>
+                <a16:creationId xmlns:a16="http://schemas.microsoft.com/office/drawing/2014/main" id="{C9D9EDA0-B36B-6908-924F-48D94872708B}"/>
               </a:ext>
             </a:extLst>
           </p:cNvPr>
@@ -7628,11 +8530,11 @@
           <a:lstStyle/>
           <a:p>
             <a:r>
-              <a:rPr lang="en-GB" sz="1500" dirty="0"/>
+              <a:rPr lang="en-GB" sz="2000"/>
               <a:t>P</a:t>
             </a:r>
             <a:r>
-              <a:rPr lang="en-DE" sz="1500" dirty="0"/>
+              <a:rPr lang="en-DE" sz="2000"/>
               <a:t>roperties in poor condition </a:t>
             </a:r>
           </a:p>
@@ -7643,7 +8545,7 @@
           <p:cNvPr id="3" name="Content Placeholder 2">
             <a:extLst>
               <a:ext uri="{FF2B5EF4-FFF2-40B4-BE49-F238E27FC236}">
-                <a16:creationId xmlns:a16="http://schemas.microsoft.com/office/drawing/2014/main" id="{A9616C87-AF80-C498-706E-164489CB57C9}"/>
+                <a16:creationId xmlns:a16="http://schemas.microsoft.com/office/drawing/2014/main" id="{22750141-D7F7-4107-9B48-5D4078B61A6D}"/>
               </a:ext>
             </a:extLst>
           </p:cNvPr>
@@ -7656,67 +8558,130 @@
         </p:nvSpPr>
         <p:spPr>
           <a:xfrm>
-            <a:off x="803244" y="2638044"/>
+            <a:off x="803244" y="2596794"/>
             <a:ext cx="3063765" cy="3263206"/>
           </a:xfrm>
         </p:spPr>
         <p:txBody>
           <a:bodyPr>
-            <a:normAutofit fontScale="85000" lnSpcReduction="20000"/>
+            <a:normAutofit fontScale="92500" lnSpcReduction="10000"/>
           </a:bodyPr>
           <a:lstStyle/>
           <a:p>
             <a:pPr marL="0" indent="0">
+              <a:lnSpc>
+                <a:spcPct val="90000"/>
+              </a:lnSpc>
               <a:buNone/>
             </a:pPr>
             <a:r>
-              <a:rPr lang="en-GB" dirty="0"/>
+              <a:rPr lang="en-GB" sz="1400" u="sng" dirty="0"/>
               <a:t>FINDING</a:t>
             </a:r>
           </a:p>
           <a:p>
-            <a:r>
-              <a:rPr lang="en-GB" dirty="0"/>
-              <a:t>typical price for properties in poor condition and built pre-1990 is below 300K</a:t>
-            </a:r>
-          </a:p>
-          <a:p>
-            <a:r>
-              <a:rPr lang="en-GB" dirty="0"/>
+            <a:pPr>
+              <a:lnSpc>
+                <a:spcPct val="90000"/>
+              </a:lnSpc>
+            </a:pPr>
+            <a:r>
+              <a:rPr lang="en-GB" sz="1400" dirty="0"/>
+              <a:t>typical price for properties in poor condition and built pre-1990 cost below 300K</a:t>
+            </a:r>
+          </a:p>
+          <a:p>
+            <a:pPr>
+              <a:lnSpc>
+                <a:spcPct val="90000"/>
+              </a:lnSpc>
+            </a:pPr>
+            <a:r>
+              <a:rPr lang="en-GB" sz="1400" dirty="0"/>
               <a:t>pr</a:t>
             </a:r>
             <a:r>
-              <a:rPr lang="en-DE" dirty="0"/>
-              <a:t>operties built pre-1990 and in poor condition are 38% lower in price than other properties</a:t>
+              <a:rPr lang="en-DE" sz="1400" dirty="0"/>
+              <a:t>operties built pre-1990 and </a:t>
+            </a:r>
+            <a:r>
+              <a:rPr lang="en-DE" sz="1400" b="1" dirty="0"/>
+              <a:t>in poor condition</a:t>
+            </a:r>
+            <a:r>
+              <a:rPr lang="en-DE" sz="1400" dirty="0"/>
+              <a:t> are </a:t>
+            </a:r>
+            <a:r>
+              <a:rPr lang="en-DE" sz="1400" b="1" dirty="0"/>
+              <a:t>38% lower in price </a:t>
+            </a:r>
+            <a:r>
+              <a:rPr lang="en-DE" sz="1400" dirty="0"/>
+              <a:t>than other properties</a:t>
+            </a:r>
+          </a:p>
+          <a:p>
+            <a:pPr>
+              <a:lnSpc>
+                <a:spcPct val="90000"/>
+              </a:lnSpc>
+            </a:pPr>
+            <a:r>
+              <a:rPr lang="en-GB" sz="1400" dirty="0"/>
+              <a:t>c</a:t>
+            </a:r>
+            <a:r>
+              <a:rPr lang="en-DE" sz="1400" dirty="0"/>
+              <a:t>onstruction year not significant in this context (same results for properties in poor condition only)</a:t>
             </a:r>
           </a:p>
           <a:p>
             <a:pPr marL="0" indent="0">
+              <a:lnSpc>
+                <a:spcPct val="90000"/>
+              </a:lnSpc>
               <a:buNone/>
             </a:pPr>
-            <a:endParaRPr lang="en-DE" dirty="0"/>
+            <a:endParaRPr lang="en-DE" sz="1400" dirty="0"/>
           </a:p>
           <a:p>
             <a:pPr marL="0" indent="0">
+              <a:lnSpc>
+                <a:spcPct val="90000"/>
+              </a:lnSpc>
               <a:buNone/>
             </a:pPr>
             <a:r>
-              <a:rPr lang="en-DE" dirty="0"/>
+              <a:rPr lang="en-DE" sz="1400" u="sng" dirty="0"/>
               <a:t>RECOMMENDATION</a:t>
             </a:r>
           </a:p>
           <a:p>
-            <a:r>
-              <a:rPr lang="en-GB" dirty="0"/>
+            <a:pPr>
+              <a:lnSpc>
+                <a:spcPct val="90000"/>
+              </a:lnSpc>
+            </a:pPr>
+            <a:r>
+              <a:rPr lang="en-GB" sz="1400" dirty="0"/>
               <a:t>properties in poor condition regardless of construction year are suitable for socially responsible investment</a:t>
             </a:r>
-            <a:endParaRPr lang="en-DE" dirty="0"/>
+            <a:endParaRPr lang="en-DE" sz="1400" dirty="0"/>
+          </a:p>
+          <a:p>
+            <a:pPr>
+              <a:lnSpc>
+                <a:spcPct val="90000"/>
+              </a:lnSpc>
+            </a:pPr>
+            <a:endParaRPr lang="en-DE" sz="1400" dirty="0"/>
           </a:p>
         </p:txBody>
       </p:sp>
       <p:sp>
         <p:nvSpPr>
-          <p:cNvPr id="10" name="Rectangle 9">
+          <p:cNvPr id="17" name="Rectangle 16">
             <a:extLst>
               <a:ext uri="{FF2B5EF4-FFF2-40B4-BE49-F238E27FC236}">
                 <a16:creationId xmlns:a16="http://schemas.microsoft.com/office/drawing/2014/main" id="{6515FC82-3453-4CBE-8895-4CCFF339529E}"/>
@@ -7780,7 +8745,7 @@
       </p:sp>
       <p:sp>
         <p:nvSpPr>
-          <p:cNvPr id="12" name="Rectangle 11">
+          <p:cNvPr id="19" name="Rectangle 18">
             <a:extLst>
               <a:ext uri="{FF2B5EF4-FFF2-40B4-BE49-F238E27FC236}">
                 <a16:creationId xmlns:a16="http://schemas.microsoft.com/office/drawing/2014/main" id="{C5FD847B-65C0-4027-8DFC-70CB424514F8}"/>
@@ -7843,10 +8808,10 @@
       </p:sp>
       <p:pic>
         <p:nvPicPr>
-          <p:cNvPr id="5" name="Picture 4" descr="A close-up of a graph&#10;&#10;AI-generated content may be incorrect.">
+          <p:cNvPr id="7" name="Picture 6" descr="A screenshot of a graph&#10;&#10;AI-generated content may be incorrect.">
             <a:extLst>
               <a:ext uri="{FF2B5EF4-FFF2-40B4-BE49-F238E27FC236}">
-                <a16:creationId xmlns:a16="http://schemas.microsoft.com/office/drawing/2014/main" id="{6F07DD76-9836-C88B-1EEE-6AD08963F5EA}"/>
+                <a16:creationId xmlns:a16="http://schemas.microsoft.com/office/drawing/2014/main" id="{556E8F6D-E7D7-819D-E0D1-AFDA4B375A23}"/>
               </a:ext>
             </a:extLst>
           </p:cNvPr>
@@ -7863,8 +8828,8 @@
         </p:blipFill>
         <p:spPr>
           <a:xfrm>
-            <a:off x="4823366" y="1588203"/>
-            <a:ext cx="6227064" cy="3689535"/>
+            <a:off x="4657803" y="1404000"/>
+            <a:ext cx="6660714" cy="3996428"/>
           </a:xfrm>
           <a:prstGeom prst="rect">
             <a:avLst/>
@@ -7874,7 +8839,7 @@
     </p:spTree>
     <p:extLst>
       <p:ext uri="{BB962C8B-B14F-4D97-AF65-F5344CB8AC3E}">
-        <p14:creationId xmlns:p14="http://schemas.microsoft.com/office/powerpoint/2010/main" val="2646745979"/>
+        <p14:creationId xmlns:p14="http://schemas.microsoft.com/office/powerpoint/2010/main" val="2541835536"/>
       </p:ext>
     </p:extLst>
   </p:cSld>
@@ -7945,23 +8910,7 @@
             </a:r>
             <a:r>
               <a:rPr lang="de-DE" sz="2000" dirty="0" err="1"/>
-              <a:t>is</a:t>
-            </a:r>
-            <a:r>
-              <a:rPr lang="de-DE" sz="2000" dirty="0"/>
-              <a:t> an </a:t>
-            </a:r>
-            <a:r>
-              <a:rPr lang="de-DE" sz="2000" dirty="0" err="1"/>
-              <a:t>attractive</a:t>
-            </a:r>
-            <a:r>
-              <a:rPr lang="de-DE" sz="2000" dirty="0"/>
-              <a:t> </a:t>
-            </a:r>
-            <a:r>
-              <a:rPr lang="de-DE" sz="2000" dirty="0" err="1"/>
-              <a:t>month</a:t>
+              <a:t>season</a:t>
             </a:r>
             <a:endParaRPr lang="en-DE" sz="2000" dirty="0"/>
           </a:p>
@@ -7969,7 +8918,7 @@
       </p:sp>
       <p:sp>
         <p:nvSpPr>
-          <p:cNvPr id="10" name="Rectangle 9">
+          <p:cNvPr id="17" name="Rectangle 16">
             <a:extLst>
               <a:ext uri="{FF2B5EF4-FFF2-40B4-BE49-F238E27FC236}">
                 <a16:creationId xmlns:a16="http://schemas.microsoft.com/office/drawing/2014/main" id="{A99FE660-E3DF-47E7-962D-66C6F6CE0D81}"/>
@@ -8033,7 +8982,7 @@
       </p:sp>
       <p:sp>
         <p:nvSpPr>
-          <p:cNvPr id="12" name="Rectangle 11">
+          <p:cNvPr id="19" name="Rectangle 18">
             <a:extLst>
               <a:ext uri="{FF2B5EF4-FFF2-40B4-BE49-F238E27FC236}">
                 <a16:creationId xmlns:a16="http://schemas.microsoft.com/office/drawing/2014/main" id="{38C29FEE-8E8F-43D5-AD23-EB4060B4D943}"/>
@@ -8096,10 +9045,10 @@
       </p:sp>
       <p:pic>
         <p:nvPicPr>
-          <p:cNvPr id="5" name="Picture 4" descr="A graph of sales in the season&#10;&#10;AI-generated content may be incorrect.">
+          <p:cNvPr id="6" name="Picture 5">
             <a:extLst>
               <a:ext uri="{FF2B5EF4-FFF2-40B4-BE49-F238E27FC236}">
-                <a16:creationId xmlns:a16="http://schemas.microsoft.com/office/drawing/2014/main" id="{8EB37FEE-C54C-4966-E94A-C636DD366966}"/>
+                <a16:creationId xmlns:a16="http://schemas.microsoft.com/office/drawing/2014/main" id="{1FFF94E0-CFE4-AB23-994C-C6EE380500F2}"/>
               </a:ext>
             </a:extLst>
           </p:cNvPr>
@@ -8109,15 +9058,15 @@
           <p:nvPr/>
         </p:nvPicPr>
         <p:blipFill>
-          <a:blip r:embed="rId2"/>
+          <a:blip r:embed="rId3"/>
           <a:stretch>
             <a:fillRect/>
           </a:stretch>
         </p:blipFill>
         <p:spPr>
           <a:xfrm>
-            <a:off x="1395041" y="1293275"/>
-            <a:ext cx="5724939" cy="4279392"/>
+            <a:off x="1087200" y="1063200"/>
+            <a:ext cx="6341407" cy="4756055"/>
           </a:xfrm>
           <a:prstGeom prst="rect">
             <a:avLst/>
@@ -8148,54 +9097,110 @@
         </p:spPr>
         <p:txBody>
           <a:bodyPr>
-            <a:normAutofit fontScale="77500" lnSpcReduction="20000"/>
+            <a:normAutofit/>
           </a:bodyPr>
           <a:lstStyle/>
           <a:p>
             <a:pPr marL="0" indent="0">
+              <a:lnSpc>
+                <a:spcPct val="90000"/>
+              </a:lnSpc>
               <a:buNone/>
             </a:pPr>
             <a:r>
-              <a:rPr lang="en-GB" dirty="0"/>
+              <a:rPr lang="en-GB" sz="1300" u="sng" dirty="0"/>
               <a:t>FINDING</a:t>
             </a:r>
           </a:p>
           <a:p>
-            <a:r>
-              <a:rPr lang="en-GB" dirty="0"/>
+            <a:pPr>
+              <a:lnSpc>
+                <a:spcPct val="90000"/>
+              </a:lnSpc>
+            </a:pPr>
+            <a:r>
+              <a:rPr lang="en-GB" sz="1300" dirty="0"/>
               <a:t>typical selling price for properties lowest in winter, highest in spring</a:t>
             </a:r>
           </a:p>
           <a:p>
-            <a:r>
-              <a:rPr lang="en-GB" dirty="0"/>
-              <a:t>selling price for properties is 5.5% lower in winter than in other seasons</a:t>
+            <a:pPr>
+              <a:lnSpc>
+                <a:spcPct val="90000"/>
+              </a:lnSpc>
+            </a:pPr>
+            <a:r>
+              <a:rPr lang="en-GB" sz="1300" dirty="0"/>
+              <a:t>selling price for properties is </a:t>
+            </a:r>
+            <a:r>
+              <a:rPr lang="en-GB" sz="1300" b="1" dirty="0"/>
+              <a:t>5.5% lower</a:t>
+            </a:r>
+            <a:r>
+              <a:rPr lang="en-GB" sz="1300" dirty="0"/>
+              <a:t> </a:t>
+            </a:r>
+            <a:r>
+              <a:rPr lang="en-GB" sz="1300" b="1" dirty="0"/>
+              <a:t>in winter </a:t>
+            </a:r>
+            <a:r>
+              <a:rPr lang="en-GB" sz="1300" dirty="0"/>
+              <a:t>than in other seasons</a:t>
             </a:r>
           </a:p>
           <a:p>
             <a:pPr marL="0" indent="0">
+              <a:lnSpc>
+                <a:spcPct val="90000"/>
+              </a:lnSpc>
               <a:buNone/>
             </a:pPr>
-            <a:r>
-              <a:rPr lang="en-GB" dirty="0"/>
+            <a:endParaRPr lang="en-GB" sz="1300" dirty="0"/>
+          </a:p>
+          <a:p>
+            <a:pPr marL="0" indent="0">
+              <a:lnSpc>
+                <a:spcPct val="90000"/>
+              </a:lnSpc>
+              <a:buNone/>
+            </a:pPr>
+            <a:r>
+              <a:rPr lang="en-GB" sz="1300" u="sng" dirty="0"/>
               <a:t>RECOMMENDATION</a:t>
             </a:r>
           </a:p>
           <a:p>
-            <a:r>
-              <a:rPr lang="en-GB" dirty="0"/>
+            <a:pPr>
+              <a:lnSpc>
+                <a:spcPct val="90000"/>
+              </a:lnSpc>
+            </a:pPr>
+            <a:r>
+              <a:rPr lang="en-GB" sz="1300" dirty="0"/>
               <a:t>buying properties in winter recommended</a:t>
             </a:r>
           </a:p>
           <a:p>
-            <a:r>
-              <a:rPr lang="en-GB" dirty="0"/>
+            <a:pPr>
+              <a:lnSpc>
+                <a:spcPct val="90000"/>
+              </a:lnSpc>
+            </a:pPr>
+            <a:r>
+              <a:rPr lang="en-GB" sz="1300" dirty="0"/>
               <a:t>selling properties in winter gives lower-income buyers an opportunity to buy</a:t>
             </a:r>
           </a:p>
           <a:p>
-            <a:r>
-              <a:rPr lang="en-GB" dirty="0"/>
+            <a:pPr>
+              <a:lnSpc>
+                <a:spcPct val="90000"/>
+              </a:lnSpc>
+            </a:pPr>
+            <a:r>
+              <a:rPr lang="en-GB" sz="1300" dirty="0"/>
               <a:t>for small profit, consider selling in fall</a:t>
             </a:r>
           </a:p>
@@ -8258,13 +9263,14 @@
           <a:lstStyle/>
           <a:p>
             <a:r>
-              <a:rPr lang="en-GB" dirty="0"/>
+              <a:rPr lang="en-GB"/>
               <a:t>R</a:t>
             </a:r>
             <a:r>
-              <a:rPr lang="en-DE" dirty="0"/>
+              <a:rPr lang="en-DE"/>
               <a:t>ecommendations for a socially responsible investment</a:t>
             </a:r>
+            <a:endParaRPr lang="en-DE" dirty="0"/>
           </a:p>
         </p:txBody>
       </p:sp>
@@ -8281,7 +9287,7 @@
           <p:nvPr>
             <p:extLst>
               <p:ext uri="{D42A27DB-BD31-4B8C-83A1-F6EECF244321}">
-                <p14:modId xmlns:p14="http://schemas.microsoft.com/office/powerpoint/2010/main" val="683267051"/>
+                <p14:modId xmlns:p14="http://schemas.microsoft.com/office/powerpoint/2010/main" val="1724637326"/>
               </p:ext>
             </p:extLst>
           </p:nvPr>
@@ -8567,4 +9573,319 @@
     </a:ext>
   </a:extLst>
 </a:theme>
+</file>
+
+<file path=ppt/theme/theme2.xml><?xml version="1.0" encoding="utf-8"?>
+<a:theme xmlns:a="http://schemas.openxmlformats.org/drawingml/2006/main" name="Office Theme">
+  <a:themeElements>
+    <a:clrScheme name="Office">
+      <a:dk1>
+        <a:sysClr val="windowText" lastClr="000000"/>
+      </a:dk1>
+      <a:lt1>
+        <a:sysClr val="window" lastClr="FFFFFF"/>
+      </a:lt1>
+      <a:dk2>
+        <a:srgbClr val="0E2841"/>
+      </a:dk2>
+      <a:lt2>
+        <a:srgbClr val="E8E8E8"/>
+      </a:lt2>
+      <a:accent1>
+        <a:srgbClr val="156082"/>
+      </a:accent1>
+      <a:accent2>
+        <a:srgbClr val="E97132"/>
+      </a:accent2>
+      <a:accent3>
+        <a:srgbClr val="196B24"/>
+      </a:accent3>
+      <a:accent4>
+        <a:srgbClr val="0F9ED5"/>
+      </a:accent4>
+      <a:accent5>
+        <a:srgbClr val="A02B93"/>
+      </a:accent5>
+      <a:accent6>
+        <a:srgbClr val="4EA72E"/>
+      </a:accent6>
+      <a:hlink>
+        <a:srgbClr val="467886"/>
+      </a:hlink>
+      <a:folHlink>
+        <a:srgbClr val="96607D"/>
+      </a:folHlink>
+    </a:clrScheme>
+    <a:fontScheme name="Office">
+      <a:majorFont>
+        <a:latin typeface="Aptos Display" panose="02110004020202020204"/>
+        <a:ea typeface=""/>
+        <a:cs typeface=""/>
+        <a:font script="Jpan" typeface="游ゴシック Light"/>
+        <a:font script="Hang" typeface="맑은 고딕"/>
+        <a:font script="Hans" typeface="等线 Light"/>
+        <a:font script="Hant" typeface="新細明體"/>
+        <a:font script="Arab" typeface="Times New Roman"/>
+        <a:font script="Hebr" typeface="Times New Roman"/>
+        <a:font script="Thai" typeface="Angsana New"/>
+        <a:font script="Ethi" typeface="Nyala"/>
+        <a:font script="Beng" typeface="Vrinda"/>
+        <a:font script="Gujr" typeface="Shruti"/>
+        <a:font script="Khmr" typeface="MoolBoran"/>
+        <a:font script="Knda" typeface="Tunga"/>
+        <a:font script="Guru" typeface="Raavi"/>
+        <a:font script="Cans" typeface="Euphemia"/>
+        <a:font script="Cher" typeface="Plantagenet Cherokee"/>
+        <a:font script="Yiii" typeface="Microsoft Yi Baiti"/>
+        <a:font script="Tibt" typeface="Microsoft Himalaya"/>
+        <a:font script="Thaa" typeface="MV Boli"/>
+        <a:font script="Deva" typeface="Mangal"/>
+        <a:font script="Telu" typeface="Gautami"/>
+        <a:font script="Taml" typeface="Latha"/>
+        <a:font script="Syrc" typeface="Estrangelo Edessa"/>
+        <a:font script="Orya" typeface="Kalinga"/>
+        <a:font script="Mlym" typeface="Kartika"/>
+        <a:font script="Laoo" typeface="DokChampa"/>
+        <a:font script="Sinh" typeface="Iskoola Pota"/>
+        <a:font script="Mong" typeface="Mongolian Baiti"/>
+        <a:font script="Viet" typeface="Times New Roman"/>
+        <a:font script="Uigh" typeface="Microsoft Uighur"/>
+        <a:font script="Geor" typeface="Sylfaen"/>
+        <a:font script="Armn" typeface="Arial"/>
+        <a:font script="Bugi" typeface="Leelawadee UI"/>
+        <a:font script="Bopo" typeface="Microsoft JhengHei"/>
+        <a:font script="Java" typeface="Javanese Text"/>
+        <a:font script="Lisu" typeface="Segoe UI"/>
+        <a:font script="Mymr" typeface="Myanmar Text"/>
+        <a:font script="Nkoo" typeface="Ebrima"/>
+        <a:font script="Olck" typeface="Nirmala UI"/>
+        <a:font script="Osma" typeface="Ebrima"/>
+        <a:font script="Phag" typeface="Phagspa"/>
+        <a:font script="Syrn" typeface="Estrangelo Edessa"/>
+        <a:font script="Syrj" typeface="Estrangelo Edessa"/>
+        <a:font script="Syre" typeface="Estrangelo Edessa"/>
+        <a:font script="Sora" typeface="Nirmala UI"/>
+        <a:font script="Tale" typeface="Microsoft Tai Le"/>
+        <a:font script="Talu" typeface="Microsoft New Tai Lue"/>
+        <a:font script="Tfng" typeface="Ebrima"/>
+      </a:majorFont>
+      <a:minorFont>
+        <a:latin typeface="Aptos" panose="02110004020202020204"/>
+        <a:ea typeface=""/>
+        <a:cs typeface=""/>
+        <a:font script="Jpan" typeface="游ゴシック"/>
+        <a:font script="Hang" typeface="맑은 고딕"/>
+        <a:font script="Hans" typeface="等线"/>
+        <a:font script="Hant" typeface="新細明體"/>
+        <a:font script="Arab" typeface="Arial"/>
+        <a:font script="Hebr" typeface="Arial"/>
+        <a:font script="Thai" typeface="Cordia New"/>
+        <a:font script="Ethi" typeface="Nyala"/>
+        <a:font script="Beng" typeface="Vrinda"/>
+        <a:font script="Gujr" typeface="Shruti"/>
+        <a:font script="Khmr" typeface="DaunPenh"/>
+        <a:font script="Knda" typeface="Tunga"/>
+        <a:font script="Guru" typeface="Raavi"/>
+        <a:font script="Cans" typeface="Euphemia"/>
+        <a:font script="Cher" typeface="Plantagenet Cherokee"/>
+        <a:font script="Yiii" typeface="Microsoft Yi Baiti"/>
+        <a:font script="Tibt" typeface="Microsoft Himalaya"/>
+        <a:font script="Thaa" typeface="MV Boli"/>
+        <a:font script="Deva" typeface="Mangal"/>
+        <a:font script="Telu" typeface="Gautami"/>
+        <a:font script="Taml" typeface="Latha"/>
+        <a:font script="Syrc" typeface="Estrangelo Edessa"/>
+        <a:font script="Orya" typeface="Kalinga"/>
+        <a:font script="Mlym" typeface="Kartika"/>
+        <a:font script="Laoo" typeface="DokChampa"/>
+        <a:font script="Sinh" typeface="Iskoola Pota"/>
+        <a:font script="Mong" typeface="Mongolian Baiti"/>
+        <a:font script="Viet" typeface="Arial"/>
+        <a:font script="Uigh" typeface="Microsoft Uighur"/>
+        <a:font script="Geor" typeface="Sylfaen"/>
+        <a:font script="Armn" typeface="Arial"/>
+        <a:font script="Bugi" typeface="Leelawadee UI"/>
+        <a:font script="Bopo" typeface="Microsoft JhengHei"/>
+        <a:font script="Java" typeface="Javanese Text"/>
+        <a:font script="Lisu" typeface="Segoe UI"/>
+        <a:font script="Mymr" typeface="Myanmar Text"/>
+        <a:font script="Nkoo" typeface="Ebrima"/>
+        <a:font script="Olck" typeface="Nirmala UI"/>
+        <a:font script="Osma" typeface="Ebrima"/>
+        <a:font script="Phag" typeface="Phagspa"/>
+        <a:font script="Syrn" typeface="Estrangelo Edessa"/>
+        <a:font script="Syrj" typeface="Estrangelo Edessa"/>
+        <a:font script="Syre" typeface="Estrangelo Edessa"/>
+        <a:font script="Sora" typeface="Nirmala UI"/>
+        <a:font script="Tale" typeface="Microsoft Tai Le"/>
+        <a:font script="Talu" typeface="Microsoft New Tai Lue"/>
+        <a:font script="Tfng" typeface="Ebrima"/>
+      </a:minorFont>
+    </a:fontScheme>
+    <a:fmtScheme name="Office">
+      <a:fillStyleLst>
+        <a:solidFill>
+          <a:schemeClr val="phClr"/>
+        </a:solidFill>
+        <a:gradFill rotWithShape="1">
+          <a:gsLst>
+            <a:gs pos="0">
+              <a:schemeClr val="phClr">
+                <a:lumMod val="110000"/>
+                <a:satMod val="105000"/>
+                <a:tint val="67000"/>
+              </a:schemeClr>
+            </a:gs>
+            <a:gs pos="50000">
+              <a:schemeClr val="phClr">
+                <a:lumMod val="105000"/>
+                <a:satMod val="103000"/>
+                <a:tint val="73000"/>
+              </a:schemeClr>
+            </a:gs>
+            <a:gs pos="100000">
+              <a:schemeClr val="phClr">
+                <a:lumMod val="105000"/>
+                <a:satMod val="109000"/>
+                <a:tint val="81000"/>
+              </a:schemeClr>
+            </a:gs>
+          </a:gsLst>
+          <a:lin ang="5400000" scaled="0"/>
+        </a:gradFill>
+        <a:gradFill rotWithShape="1">
+          <a:gsLst>
+            <a:gs pos="0">
+              <a:schemeClr val="phClr">
+                <a:satMod val="103000"/>
+                <a:lumMod val="102000"/>
+                <a:tint val="94000"/>
+              </a:schemeClr>
+            </a:gs>
+            <a:gs pos="50000">
+              <a:schemeClr val="phClr">
+                <a:satMod val="110000"/>
+                <a:lumMod val="100000"/>
+                <a:shade val="100000"/>
+              </a:schemeClr>
+            </a:gs>
+            <a:gs pos="100000">
+              <a:schemeClr val="phClr">
+                <a:lumMod val="99000"/>
+                <a:satMod val="120000"/>
+                <a:shade val="78000"/>
+              </a:schemeClr>
+            </a:gs>
+          </a:gsLst>
+          <a:lin ang="5400000" scaled="0"/>
+        </a:gradFill>
+      </a:fillStyleLst>
+      <a:lnStyleLst>
+        <a:ln w="12700" cap="flat" cmpd="sng" algn="ctr">
+          <a:solidFill>
+            <a:schemeClr val="phClr"/>
+          </a:solidFill>
+          <a:prstDash val="solid"/>
+          <a:miter lim="800000"/>
+        </a:ln>
+        <a:ln w="19050" cap="flat" cmpd="sng" algn="ctr">
+          <a:solidFill>
+            <a:schemeClr val="phClr"/>
+          </a:solidFill>
+          <a:prstDash val="solid"/>
+          <a:miter lim="800000"/>
+        </a:ln>
+        <a:ln w="25400" cap="flat" cmpd="sng" algn="ctr">
+          <a:solidFill>
+            <a:schemeClr val="phClr"/>
+          </a:solidFill>
+          <a:prstDash val="solid"/>
+          <a:miter lim="800000"/>
+        </a:ln>
+      </a:lnStyleLst>
+      <a:effectStyleLst>
+        <a:effectStyle>
+          <a:effectLst/>
+        </a:effectStyle>
+        <a:effectStyle>
+          <a:effectLst/>
+        </a:effectStyle>
+        <a:effectStyle>
+          <a:effectLst>
+            <a:outerShdw blurRad="57150" dist="19050" dir="5400000" algn="ctr" rotWithShape="0">
+              <a:srgbClr val="000000">
+                <a:alpha val="63000"/>
+              </a:srgbClr>
+            </a:outerShdw>
+          </a:effectLst>
+        </a:effectStyle>
+      </a:effectStyleLst>
+      <a:bgFillStyleLst>
+        <a:solidFill>
+          <a:schemeClr val="phClr"/>
+        </a:solidFill>
+        <a:solidFill>
+          <a:schemeClr val="phClr">
+            <a:tint val="95000"/>
+            <a:satMod val="170000"/>
+          </a:schemeClr>
+        </a:solidFill>
+        <a:gradFill rotWithShape="1">
+          <a:gsLst>
+            <a:gs pos="0">
+              <a:schemeClr val="phClr">
+                <a:tint val="93000"/>
+                <a:satMod val="150000"/>
+                <a:shade val="98000"/>
+                <a:lumMod val="102000"/>
+              </a:schemeClr>
+            </a:gs>
+            <a:gs pos="50000">
+              <a:schemeClr val="phClr">
+                <a:tint val="98000"/>
+                <a:satMod val="130000"/>
+                <a:shade val="90000"/>
+                <a:lumMod val="103000"/>
+              </a:schemeClr>
+            </a:gs>
+            <a:gs pos="100000">
+              <a:schemeClr val="phClr">
+                <a:shade val="63000"/>
+                <a:satMod val="120000"/>
+              </a:schemeClr>
+            </a:gs>
+          </a:gsLst>
+          <a:lin ang="5400000" scaled="0"/>
+        </a:gradFill>
+      </a:bgFillStyleLst>
+    </a:fmtScheme>
+  </a:themeElements>
+  <a:objectDefaults>
+    <a:lnDef>
+      <a:spPr/>
+      <a:bodyPr/>
+      <a:lstStyle/>
+      <a:style>
+        <a:lnRef idx="2">
+          <a:schemeClr val="accent1"/>
+        </a:lnRef>
+        <a:fillRef idx="0">
+          <a:schemeClr val="accent1"/>
+        </a:fillRef>
+        <a:effectRef idx="1">
+          <a:schemeClr val="accent1"/>
+        </a:effectRef>
+        <a:fontRef idx="minor">
+          <a:schemeClr val="tx1"/>
+        </a:fontRef>
+      </a:style>
+    </a:lnDef>
+  </a:objectDefaults>
+  <a:extraClrSchemeLst/>
+  <a:extLst>
+    <a:ext uri="{05A4C25C-085E-4340-85A3-A5531E510DB2}">
+      <thm15:themeFamily xmlns:thm15="http://schemas.microsoft.com/office/thememl/2012/main" name="Office Theme" id="{2E142A2C-CD16-42D6-873A-C26D2A0506FA}" vid="{1BDDFF52-6CD6-40A5-AB3C-68EB2F1E4D0A}"/>
+    </a:ext>
+  </a:extLst>
+</a:theme>
 </file>
--- a/mjr_folder/presentation/Presentation_Properties_Erin_Robinson.pptx
+++ b/mjr_folder/presentation/Presentation_Properties_Erin_Robinson.pptx
@@ -7512,7 +7512,7 @@
           <a:p>
             <a:r>
               <a:rPr lang="en-GB" sz="2000" dirty="0"/>
-              <a:t>P</a:t>
+              <a:t>p</a:t>
             </a:r>
             <a:r>
               <a:rPr lang="en-DE" sz="2000" dirty="0"/>
